--- a/Project Details/IR Presentation 2.pptx
+++ b/Project Details/IR Presentation 2.pptx
@@ -123,7 +123,18 @@
   </p:defaultTextStyle>
   <p:extLst>
     <p:ext uri="{EFAFB233-063F-42B5-8137-9DF3F51BA10A}">
-      <p15:sldGuideLst xmlns:p15="http://schemas.microsoft.com/office/powerpoint/2012/main" xmlns=""/>
+      <p15:sldGuideLst xmlns:p15="http://schemas.microsoft.com/office/powerpoint/2012/main">
+        <p15:guide id="1" orient="horz" pos="2160">
+          <p15:clr>
+            <a:srgbClr val="A4A3A4"/>
+          </p15:clr>
+        </p15:guide>
+        <p15:guide id="2" pos="3840">
+          <p15:clr>
+            <a:srgbClr val="A4A3A4"/>
+          </p15:clr>
+        </p15:guide>
+      </p15:sldGuideLst>
     </p:ext>
   </p:extLst>
 </p:presentation>
@@ -4412,7 +4423,7 @@
           <a:p>
             <a:fld id="{48A87A34-81AB-432B-8DAE-1953F412C126}" type="datetimeFigureOut">
               <a:rPr lang="en-US" dirty="0"/>
-              <a:t>12/1/2013</a:t>
+              <a:t>12/2/2013</a:t>
             </a:fld>
             <a:endParaRPr lang="en-US" dirty="0"/>
           </a:p>
@@ -4674,7 +4685,7 @@
           <a:p>
             <a:fld id="{48A87A34-81AB-432B-8DAE-1953F412C126}" type="datetimeFigureOut">
               <a:rPr lang="en-US" dirty="0"/>
-              <a:t>12/1/2013</a:t>
+              <a:t>12/2/2013</a:t>
             </a:fld>
             <a:endParaRPr lang="en-US" dirty="0"/>
           </a:p>
@@ -4865,7 +4876,7 @@
           <a:p>
             <a:fld id="{48A87A34-81AB-432B-8DAE-1953F412C126}" type="datetimeFigureOut">
               <a:rPr lang="en-US" dirty="0"/>
-              <a:t>12/1/2013</a:t>
+              <a:t>12/2/2013</a:t>
             </a:fld>
             <a:endParaRPr lang="en-US" dirty="0"/>
           </a:p>
@@ -5123,7 +5134,7 @@
           <a:p>
             <a:fld id="{48A87A34-81AB-432B-8DAE-1953F412C126}" type="datetimeFigureOut">
               <a:rPr lang="en-US" dirty="0"/>
-              <a:t>12/1/2013</a:t>
+              <a:t>12/2/2013</a:t>
             </a:fld>
             <a:endParaRPr lang="en-US" dirty="0"/>
           </a:p>
@@ -5552,7 +5563,7 @@
           <a:p>
             <a:fld id="{48A87A34-81AB-432B-8DAE-1953F412C126}" type="datetimeFigureOut">
               <a:rPr lang="en-US" dirty="0"/>
-              <a:t>12/1/2013</a:t>
+              <a:t>12/2/2013</a:t>
             </a:fld>
             <a:endParaRPr lang="en-US" dirty="0"/>
           </a:p>
@@ -6093,7 +6104,7 @@
           <a:p>
             <a:fld id="{48A87A34-81AB-432B-8DAE-1953F412C126}" type="datetimeFigureOut">
               <a:rPr lang="en-US" dirty="0"/>
-              <a:t>12/1/2013</a:t>
+              <a:t>12/2/2013</a:t>
             </a:fld>
             <a:endParaRPr lang="en-US" dirty="0"/>
           </a:p>
@@ -6808,7 +6819,7 @@
           <a:p>
             <a:fld id="{48A87A34-81AB-432B-8DAE-1953F412C126}" type="datetimeFigureOut">
               <a:rPr lang="en-US" dirty="0"/>
-              <a:t>12/1/2013</a:t>
+              <a:t>12/2/2013</a:t>
             </a:fld>
             <a:endParaRPr lang="en-US" dirty="0"/>
           </a:p>
@@ -6973,7 +6984,7 @@
           <a:p>
             <a:fld id="{48A87A34-81AB-432B-8DAE-1953F412C126}" type="datetimeFigureOut">
               <a:rPr lang="en-US" dirty="0"/>
-              <a:t>12/1/2013</a:t>
+              <a:t>12/2/2013</a:t>
             </a:fld>
             <a:endParaRPr lang="en-US" dirty="0"/>
           </a:p>
@@ -7148,7 +7159,7 @@
           <a:p>
             <a:fld id="{48A87A34-81AB-432B-8DAE-1953F412C126}" type="datetimeFigureOut">
               <a:rPr lang="en-US" dirty="0"/>
-              <a:t>12/1/2013</a:t>
+              <a:t>12/2/2013</a:t>
             </a:fld>
             <a:endParaRPr lang="en-US" dirty="0"/>
           </a:p>
@@ -7313,7 +7324,7 @@
           <a:p>
             <a:fld id="{48A87A34-81AB-432B-8DAE-1953F412C126}" type="datetimeFigureOut">
               <a:rPr lang="en-US" dirty="0"/>
-              <a:t>12/1/2013</a:t>
+              <a:t>12/2/2013</a:t>
             </a:fld>
             <a:endParaRPr lang="en-US" dirty="0"/>
           </a:p>
@@ -7558,7 +7569,7 @@
           <a:p>
             <a:fld id="{48A87A34-81AB-432B-8DAE-1953F412C126}" type="datetimeFigureOut">
               <a:rPr lang="en-US" dirty="0"/>
-              <a:t>12/1/2013</a:t>
+              <a:t>12/2/2013</a:t>
             </a:fld>
             <a:endParaRPr lang="en-US" dirty="0"/>
           </a:p>
@@ -7785,7 +7796,7 @@
           <a:p>
             <a:fld id="{48A87A34-81AB-432B-8DAE-1953F412C126}" type="datetimeFigureOut">
               <a:rPr lang="en-US" dirty="0"/>
-              <a:t>12/1/2013</a:t>
+              <a:t>12/2/2013</a:t>
             </a:fld>
             <a:endParaRPr lang="en-US" dirty="0"/>
           </a:p>
@@ -8161,7 +8172,7 @@
           <a:p>
             <a:fld id="{48A87A34-81AB-432B-8DAE-1953F412C126}" type="datetimeFigureOut">
               <a:rPr lang="en-US" dirty="0"/>
-              <a:t>12/1/2013</a:t>
+              <a:t>12/2/2013</a:t>
             </a:fld>
             <a:endParaRPr lang="en-US" dirty="0"/>
           </a:p>
@@ -8274,7 +8285,7 @@
           <a:p>
             <a:fld id="{48A87A34-81AB-432B-8DAE-1953F412C126}" type="datetimeFigureOut">
               <a:rPr lang="en-US" dirty="0"/>
-              <a:t>12/1/2013</a:t>
+              <a:t>12/2/2013</a:t>
             </a:fld>
             <a:endParaRPr lang="en-US" dirty="0"/>
           </a:p>
@@ -8364,7 +8375,7 @@
           <a:p>
             <a:fld id="{48A87A34-81AB-432B-8DAE-1953F412C126}" type="datetimeFigureOut">
               <a:rPr lang="en-US" dirty="0"/>
-              <a:t>12/1/2013</a:t>
+              <a:t>12/2/2013</a:t>
             </a:fld>
             <a:endParaRPr lang="en-US" dirty="0"/>
           </a:p>
@@ -8608,7 +8619,7 @@
           <a:p>
             <a:fld id="{48A87A34-81AB-432B-8DAE-1953F412C126}" type="datetimeFigureOut">
               <a:rPr lang="en-US" dirty="0"/>
-              <a:t>12/1/2013</a:t>
+              <a:t>12/2/2013</a:t>
             </a:fld>
             <a:endParaRPr lang="en-US" dirty="0"/>
           </a:p>
@@ -8883,7 +8894,7 @@
           <a:p>
             <a:fld id="{48A87A34-81AB-432B-8DAE-1953F412C126}" type="datetimeFigureOut">
               <a:rPr lang="en-US" dirty="0"/>
-              <a:t>12/1/2013</a:t>
+              <a:t>12/2/2013</a:t>
             </a:fld>
             <a:endParaRPr lang="en-US" dirty="0"/>
           </a:p>
@@ -11963,7 +11974,7 @@
             <a:fld id="{48A87A34-81AB-432B-8DAE-1953F412C126}" type="datetimeFigureOut">
               <a:rPr lang="en-US" dirty="0"/>
               <a:pPr/>
-              <a:t>12/1/2013</a:t>
+              <a:t>12/2/2013</a:t>
             </a:fld>
             <a:endParaRPr lang="en-US" dirty="0"/>
           </a:p>
@@ -12442,8 +12453,19 @@
           <a:lstStyle/>
           <a:p>
             <a:r>
+              <a:rPr lang="en-US" dirty="0" smtClean="0">
+                <a:solidFill>
+                  <a:schemeClr val="tx2">
+                    <a:lumMod val="40000"/>
+                    <a:lumOff val="60000"/>
+                  </a:schemeClr>
+                </a:solidFill>
+              </a:rPr>
+              <a:t>Infrared alert system with radio frequency capability</a:t>
+            </a:r>
+            <a:r>
               <a:rPr lang="en-US" dirty="0" smtClean="0"/>
-              <a:t>Infrared alert system with radio frequency capability	</a:t>
+              <a:t>	</a:t>
             </a:r>
             <a:endParaRPr lang="en-US" dirty="0"/>
           </a:p>
@@ -12472,32 +12494,32 @@
           <a:lstStyle/>
           <a:p>
             <a:r>
-              <a:rPr lang="en-US" sz="3900" u="sng" dirty="0" smtClean="0">
+              <a:rPr lang="en-US" sz="3900" dirty="0" smtClean="0">
                 <a:solidFill>
-                  <a:schemeClr val="bg1"/>
+                  <a:schemeClr val="bg2"/>
                 </a:solidFill>
               </a:rPr>
               <a:t>T09-Signal </a:t>
             </a:r>
             <a:r>
-              <a:rPr lang="en-US" sz="3900" u="sng" dirty="0" err="1" smtClean="0">
+              <a:rPr lang="en-US" sz="3900" dirty="0" err="1" smtClean="0">
                 <a:solidFill>
-                  <a:schemeClr val="bg1"/>
+                  <a:schemeClr val="bg2"/>
                 </a:solidFill>
               </a:rPr>
               <a:t>senderS</a:t>
             </a:r>
             <a:r>
-              <a:rPr lang="en-US" sz="3900" u="sng" dirty="0" smtClean="0">
+              <a:rPr lang="en-US" sz="3900" dirty="0" smtClean="0">
                 <a:solidFill>
-                  <a:schemeClr val="bg1"/>
+                  <a:schemeClr val="bg2"/>
                 </a:solidFill>
               </a:rPr>
-              <a:t>_____________</a:t>
-            </a:r>
-            <a:endParaRPr lang="en-US" sz="3900" u="sng" dirty="0" smtClean="0">
+              <a:t> </a:t>
+            </a:r>
+            <a:endParaRPr lang="en-US" sz="3900" dirty="0" smtClean="0">
               <a:solidFill>
-                <a:schemeClr val="bg1"/>
+                <a:schemeClr val="bg2"/>
               </a:solidFill>
             </a:endParaRPr>
           </a:p>
@@ -12505,7 +12527,7 @@
             <a:r>
               <a:rPr lang="en-US" dirty="0" smtClean="0">
                 <a:solidFill>
-                  <a:schemeClr val="bg1"/>
+                  <a:schemeClr val="bg2"/>
                 </a:solidFill>
               </a:rPr>
               <a:t>Max Cope</a:t>
@@ -12515,7 +12537,7 @@
             <a:r>
               <a:rPr lang="en-US" dirty="0" smtClean="0">
                 <a:solidFill>
-                  <a:schemeClr val="bg1"/>
+                  <a:schemeClr val="bg2"/>
                 </a:solidFill>
               </a:rPr>
               <a:t>Leslie </a:t>
@@ -12523,14 +12545,14 @@
             <a:r>
               <a:rPr lang="en-US" dirty="0" err="1" smtClean="0">
                 <a:solidFill>
-                  <a:schemeClr val="bg1"/>
+                  <a:schemeClr val="bg2"/>
                 </a:solidFill>
               </a:rPr>
               <a:t>Eide</a:t>
             </a:r>
             <a:endParaRPr lang="en-US" dirty="0" smtClean="0">
               <a:solidFill>
-                <a:schemeClr val="bg1"/>
+                <a:schemeClr val="bg2"/>
               </a:solidFill>
             </a:endParaRPr>
           </a:p>
@@ -12538,7 +12560,7 @@
             <a:r>
               <a:rPr lang="en-US" dirty="0" smtClean="0">
                 <a:solidFill>
-                  <a:schemeClr val="bg1"/>
+                  <a:schemeClr val="bg2"/>
                 </a:solidFill>
               </a:rPr>
               <a:t>Chris </a:t>
@@ -12546,14 +12568,14 @@
             <a:r>
               <a:rPr lang="en-US" dirty="0" err="1" smtClean="0">
                 <a:solidFill>
-                  <a:schemeClr val="bg1"/>
+                  <a:schemeClr val="bg2"/>
                 </a:solidFill>
               </a:rPr>
               <a:t>Klupenger</a:t>
             </a:r>
             <a:endParaRPr lang="en-US" dirty="0" smtClean="0">
               <a:solidFill>
-                <a:schemeClr val="bg1"/>
+                <a:schemeClr val="bg2"/>
               </a:solidFill>
             </a:endParaRPr>
           </a:p>
@@ -12686,6 +12708,37 @@
           <a:sp3d/>
         </p:spPr>
       </p:pic>
+      <p:cxnSp>
+        <p:nvCxnSpPr>
+          <p:cNvPr id="6" name="Straight Connector 5"/>
+          <p:cNvCxnSpPr/>
+          <p:nvPr/>
+        </p:nvCxnSpPr>
+        <p:spPr>
+          <a:xfrm>
+            <a:off x="1945178" y="3408218"/>
+            <a:ext cx="8495215" cy="0"/>
+          </a:xfrm>
+          <a:prstGeom prst="line">
+            <a:avLst/>
+          </a:prstGeom>
+          <a:ln/>
+        </p:spPr>
+        <p:style>
+          <a:lnRef idx="2">
+            <a:schemeClr val="dk1"/>
+          </a:lnRef>
+          <a:fillRef idx="0">
+            <a:schemeClr val="dk1"/>
+          </a:fillRef>
+          <a:effectRef idx="1">
+            <a:schemeClr val="dk1"/>
+          </a:effectRef>
+          <a:fontRef idx="minor">
+            <a:schemeClr val="tx1"/>
+          </a:fontRef>
+        </p:style>
+      </p:cxnSp>
     </p:spTree>
     <p:extLst>
       <p:ext uri="{BB962C8B-B14F-4D97-AF65-F5344CB8AC3E}">
@@ -12741,7 +12794,7 @@
             <a:r>
               <a:rPr lang="en-US" dirty="0" smtClean="0">
                 <a:solidFill>
-                  <a:schemeClr val="bg1"/>
+                  <a:schemeClr val="bg2"/>
                 </a:solidFill>
               </a:rPr>
               <a:t>Microcontroller</a:t>
@@ -12749,21 +12802,21 @@
             <a:br>
               <a:rPr lang="en-US" dirty="0" smtClean="0">
                 <a:solidFill>
-                  <a:schemeClr val="bg1"/>
+                  <a:schemeClr val="bg2"/>
                 </a:solidFill>
               </a:rPr>
             </a:br>
             <a:r>
               <a:rPr lang="en-US" dirty="0" smtClean="0">
                 <a:solidFill>
-                  <a:schemeClr val="bg1"/>
+                  <a:schemeClr val="bg2"/>
                 </a:solidFill>
               </a:rPr>
               <a:t>Programming</a:t>
             </a:r>
             <a:endParaRPr lang="en-US" dirty="0">
               <a:solidFill>
-                <a:schemeClr val="bg1"/>
+                <a:schemeClr val="bg2"/>
               </a:solidFill>
             </a:endParaRPr>
           </a:p>
@@ -12791,10 +12844,16 @@
               <a:buChar char="•"/>
             </a:pPr>
             <a:r>
-              <a:rPr lang="en-US" sz="3200" dirty="0" smtClean="0"/>
+              <a:rPr lang="en-US" sz="3200" dirty="0" smtClean="0">
+                <a:solidFill>
+                  <a:schemeClr val="tx2">
+                    <a:lumMod val="40000"/>
+                    <a:lumOff val="60000"/>
+                  </a:schemeClr>
+                </a:solidFill>
+              </a:rPr>
               <a:t>ATMEGA 328P</a:t>
             </a:r>
-            <a:endParaRPr lang="en-US" sz="3200" dirty="0" smtClean="0"/>
           </a:p>
           <a:p>
             <a:pPr marL="285750" indent="-285750">
@@ -12802,7 +12861,14 @@
               <a:buChar char="•"/>
             </a:pPr>
             <a:r>
-              <a:rPr lang="en-US" sz="3200" dirty="0" smtClean="0"/>
+              <a:rPr lang="en-US" sz="3200" dirty="0" smtClean="0">
+                <a:solidFill>
+                  <a:schemeClr val="tx2">
+                    <a:lumMod val="40000"/>
+                    <a:lumOff val="60000"/>
+                  </a:schemeClr>
+                </a:solidFill>
+              </a:rPr>
               <a:t>Programming</a:t>
             </a:r>
           </a:p>
@@ -12812,7 +12878,14 @@
               <a:buChar char="•"/>
             </a:pPr>
             <a:r>
-              <a:rPr lang="en-US" sz="3000" dirty="0" smtClean="0"/>
+              <a:rPr lang="en-US" sz="3000" dirty="0" smtClean="0">
+                <a:solidFill>
+                  <a:schemeClr val="tx2">
+                    <a:lumMod val="40000"/>
+                    <a:lumOff val="60000"/>
+                  </a:schemeClr>
+                </a:solidFill>
+              </a:rPr>
               <a:t>IR Detect</a:t>
             </a:r>
           </a:p>
@@ -12822,7 +12895,14 @@
               <a:buChar char="•"/>
             </a:pPr>
             <a:r>
-              <a:rPr lang="en-US" sz="3000" dirty="0" smtClean="0"/>
+              <a:rPr lang="en-US" sz="3000" dirty="0" smtClean="0">
+                <a:solidFill>
+                  <a:schemeClr val="tx2">
+                    <a:lumMod val="40000"/>
+                    <a:lumOff val="60000"/>
+                  </a:schemeClr>
+                </a:solidFill>
+              </a:rPr>
               <a:t>RF SPI</a:t>
             </a:r>
           </a:p>
@@ -12832,7 +12912,14 @@
               <a:buChar char="•"/>
             </a:pPr>
             <a:r>
-              <a:rPr lang="en-US" sz="3000" dirty="0" smtClean="0"/>
+              <a:rPr lang="en-US" sz="3000" dirty="0" smtClean="0">
+                <a:solidFill>
+                  <a:schemeClr val="tx2">
+                    <a:lumMod val="40000"/>
+                    <a:lumOff val="60000"/>
+                  </a:schemeClr>
+                </a:solidFill>
+              </a:rPr>
               <a:t>Four LED</a:t>
             </a:r>
           </a:p>
@@ -12966,15 +13053,7 @@
               <a:srgbClr val="C0C0C0"/>
             </a:contourClr>
           </a:sp3d>
-          <a:extLst>
-            <a:ext uri="{909E8E84-426E-40DD-AFC4-6F175D3DCCD1}">
-              <a14:hiddenFill xmlns:a14="http://schemas.microsoft.com/office/drawing/2010/main">
-                <a:solidFill>
-                  <a:srgbClr val="FFFFFF"/>
-                </a:solidFill>
-              </a14:hiddenFill>
-            </a:ext>
-          </a:extLst>
+          <a:extLst/>
         </p:spPr>
       </p:pic>
     </p:spTree>
@@ -13032,14 +13111,14 @@
             <a:r>
               <a:rPr lang="en-US" dirty="0" smtClean="0">
                 <a:solidFill>
-                  <a:schemeClr val="bg1"/>
+                  <a:schemeClr val="bg2"/>
                 </a:solidFill>
               </a:rPr>
               <a:t>LED Output</a:t>
             </a:r>
             <a:endParaRPr lang="en-US" dirty="0">
               <a:solidFill>
-                <a:schemeClr val="bg1"/>
+                <a:schemeClr val="bg2"/>
               </a:solidFill>
             </a:endParaRPr>
           </a:p>
@@ -13077,10 +13156,24 @@
               <a:buChar char="•"/>
             </a:pPr>
             <a:r>
-              <a:rPr lang="en-US" dirty="0" smtClean="0"/>
+              <a:rPr lang="en-US" dirty="0" smtClean="0">
+                <a:solidFill>
+                  <a:schemeClr val="tx2">
+                    <a:lumMod val="40000"/>
+                    <a:lumOff val="60000"/>
+                  </a:schemeClr>
+                </a:solidFill>
+              </a:rPr>
               <a:t>Layout of board/housing</a:t>
             </a:r>
-            <a:endParaRPr lang="en-US" dirty="0"/>
+            <a:endParaRPr lang="en-US" dirty="0">
+              <a:solidFill>
+                <a:schemeClr val="tx2">
+                  <a:lumMod val="40000"/>
+                  <a:lumOff val="60000"/>
+                </a:schemeClr>
+              </a:solidFill>
+            </a:endParaRPr>
           </a:p>
         </p:txBody>
       </p:sp>
@@ -13217,14 +13310,14 @@
             <a:r>
               <a:rPr lang="en-US" dirty="0" smtClean="0">
                 <a:solidFill>
-                  <a:schemeClr val="bg1"/>
+                  <a:schemeClr val="bg2"/>
                 </a:solidFill>
               </a:rPr>
               <a:t>Schematic/PCB</a:t>
             </a:r>
             <a:endParaRPr lang="en-US" dirty="0">
               <a:solidFill>
-                <a:schemeClr val="bg1"/>
+                <a:schemeClr val="bg2"/>
               </a:solidFill>
             </a:endParaRPr>
           </a:p>
@@ -13285,15 +13378,7 @@
               <a:srgbClr val="C0C0C0"/>
             </a:contourClr>
           </a:sp3d>
-          <a:extLst>
-            <a:ext uri="{909E8E84-426E-40DD-AFC4-6F175D3DCCD1}">
-              <a14:hiddenFill xmlns:a14="http://schemas.microsoft.com/office/drawing/2010/main">
-                <a:solidFill>
-                  <a:srgbClr val="FFFFFF"/>
-                </a:solidFill>
-              </a14:hiddenFill>
-            </a:ext>
-          </a:extLst>
+          <a:extLst/>
         </p:spPr>
       </p:pic>
       <p:pic>
@@ -13351,15 +13436,7 @@
               <a:srgbClr val="C0C0C0"/>
             </a:contourClr>
           </a:sp3d>
-          <a:extLst>
-            <a:ext uri="{909E8E84-426E-40DD-AFC4-6F175D3DCCD1}">
-              <a14:hiddenFill xmlns:a14="http://schemas.microsoft.com/office/drawing/2010/main">
-                <a:solidFill>
-                  <a:srgbClr val="FFFFFF"/>
-                </a:solidFill>
-              </a14:hiddenFill>
-            </a:ext>
-          </a:extLst>
+          <a:extLst/>
         </p:spPr>
       </p:pic>
     </p:spTree>
@@ -13417,14 +13494,14 @@
             <a:r>
               <a:rPr lang="en-US" dirty="0" smtClean="0">
                 <a:solidFill>
-                  <a:schemeClr val="bg1"/>
+                  <a:schemeClr val="bg2"/>
                 </a:solidFill>
               </a:rPr>
               <a:t>Implementation</a:t>
             </a:r>
             <a:endParaRPr lang="en-US" dirty="0">
               <a:solidFill>
-                <a:schemeClr val="bg1"/>
+                <a:schemeClr val="bg2"/>
               </a:solidFill>
             </a:endParaRPr>
           </a:p>
@@ -13577,7 +13654,7 @@
             <a:r>
               <a:rPr lang="en-US" dirty="0" smtClean="0">
                 <a:solidFill>
-                  <a:schemeClr val="bg1"/>
+                  <a:schemeClr val="bg2"/>
                 </a:solidFill>
               </a:rPr>
               <a:t>Intellectual property </a:t>
@@ -13585,21 +13662,21 @@
             <a:br>
               <a:rPr lang="en-US" dirty="0" smtClean="0">
                 <a:solidFill>
-                  <a:schemeClr val="bg1"/>
+                  <a:schemeClr val="bg2"/>
                 </a:solidFill>
               </a:rPr>
             </a:br>
             <a:r>
               <a:rPr lang="en-US" dirty="0" smtClean="0">
                 <a:solidFill>
-                  <a:schemeClr val="bg1"/>
+                  <a:schemeClr val="bg2"/>
                 </a:solidFill>
               </a:rPr>
               <a:t>prior work</a:t>
             </a:r>
             <a:endParaRPr lang="en-US" dirty="0">
               <a:solidFill>
-                <a:schemeClr val="bg1"/>
+                <a:schemeClr val="bg2"/>
               </a:solidFill>
             </a:endParaRPr>
           </a:p>
@@ -13621,10 +13698,24 @@
           <a:lstStyle/>
           <a:p>
             <a:r>
-              <a:rPr lang="en-US" dirty="0" smtClean="0"/>
+              <a:rPr lang="en-US" dirty="0" smtClean="0">
+                <a:solidFill>
+                  <a:schemeClr val="tx2">
+                    <a:lumMod val="40000"/>
+                    <a:lumOff val="60000"/>
+                  </a:schemeClr>
+                </a:solidFill>
+              </a:rPr>
               <a:t>No idea about this slide waiting for Monday</a:t>
             </a:r>
-            <a:endParaRPr lang="en-US" dirty="0"/>
+            <a:endParaRPr lang="en-US" dirty="0">
+              <a:solidFill>
+                <a:schemeClr val="tx2">
+                  <a:lumMod val="40000"/>
+                  <a:lumOff val="60000"/>
+                </a:schemeClr>
+              </a:solidFill>
+            </a:endParaRPr>
           </a:p>
         </p:txBody>
       </p:sp>
@@ -13756,14 +13847,14 @@
             <a:r>
               <a:rPr lang="en-US" dirty="0" smtClean="0">
                 <a:solidFill>
-                  <a:schemeClr val="bg1"/>
+                  <a:schemeClr val="bg2"/>
                 </a:solidFill>
               </a:rPr>
               <a:t>Testing</a:t>
             </a:r>
             <a:endParaRPr lang="en-US" dirty="0">
               <a:solidFill>
-                <a:schemeClr val="bg1"/>
+                <a:schemeClr val="bg2"/>
               </a:solidFill>
             </a:endParaRPr>
           </a:p>
@@ -13785,10 +13876,24 @@
           <a:lstStyle/>
           <a:p>
             <a:r>
-              <a:rPr lang="en-US" dirty="0" smtClean="0"/>
+              <a:rPr lang="en-US" dirty="0" smtClean="0">
+                <a:solidFill>
+                  <a:schemeClr val="tx2">
+                    <a:lumMod val="40000"/>
+                    <a:lumOff val="60000"/>
+                  </a:schemeClr>
+                </a:solidFill>
+              </a:rPr>
               <a:t>Strategy</a:t>
             </a:r>
-            <a:endParaRPr lang="en-US" dirty="0"/>
+            <a:endParaRPr lang="en-US" dirty="0">
+              <a:solidFill>
+                <a:schemeClr val="tx2">
+                  <a:lumMod val="40000"/>
+                  <a:lumOff val="60000"/>
+                </a:schemeClr>
+              </a:solidFill>
+            </a:endParaRPr>
           </a:p>
         </p:txBody>
       </p:sp>
@@ -13807,7 +13912,14 @@
           <a:bodyPr/>
           <a:lstStyle/>
           <a:p>
-            <a:endParaRPr lang="en-US" dirty="0"/>
+            <a:endParaRPr lang="en-US" dirty="0">
+              <a:solidFill>
+                <a:schemeClr val="tx2">
+                  <a:lumMod val="40000"/>
+                  <a:lumOff val="60000"/>
+                </a:schemeClr>
+              </a:solidFill>
+            </a:endParaRPr>
           </a:p>
         </p:txBody>
       </p:sp>
@@ -13827,10 +13939,24 @@
           <a:lstStyle/>
           <a:p>
             <a:r>
-              <a:rPr lang="en-US" dirty="0" smtClean="0"/>
+              <a:rPr lang="en-US" dirty="0" smtClean="0">
+                <a:solidFill>
+                  <a:schemeClr val="tx2">
+                    <a:lumMod val="40000"/>
+                    <a:lumOff val="60000"/>
+                  </a:schemeClr>
+                </a:solidFill>
+              </a:rPr>
               <a:t>Execution</a:t>
             </a:r>
-            <a:endParaRPr lang="en-US" dirty="0"/>
+            <a:endParaRPr lang="en-US" dirty="0">
+              <a:solidFill>
+                <a:schemeClr val="tx2">
+                  <a:lumMod val="40000"/>
+                  <a:lumOff val="60000"/>
+                </a:schemeClr>
+              </a:solidFill>
+            </a:endParaRPr>
           </a:p>
         </p:txBody>
       </p:sp>
@@ -13849,7 +13975,14 @@
           <a:bodyPr/>
           <a:lstStyle/>
           <a:p>
-            <a:endParaRPr lang="en-US"/>
+            <a:endParaRPr lang="en-US" dirty="0">
+              <a:solidFill>
+                <a:schemeClr val="tx2">
+                  <a:lumMod val="40000"/>
+                  <a:lumOff val="60000"/>
+                </a:schemeClr>
+              </a:solidFill>
+            </a:endParaRPr>
           </a:p>
         </p:txBody>
       </p:sp>
@@ -13981,14 +14114,14 @@
             <a:r>
               <a:rPr lang="en-US" dirty="0" smtClean="0">
                 <a:solidFill>
-                  <a:schemeClr val="bg1"/>
+                  <a:schemeClr val="bg2"/>
                 </a:solidFill>
               </a:rPr>
               <a:t>Results</a:t>
             </a:r>
             <a:endParaRPr lang="en-US" dirty="0">
               <a:solidFill>
-                <a:schemeClr val="bg1"/>
+                <a:schemeClr val="bg2"/>
               </a:solidFill>
             </a:endParaRPr>
           </a:p>
@@ -14022,10 +14155,24 @@
           <a:lstStyle/>
           <a:p>
             <a:r>
-              <a:rPr lang="en-US" dirty="0" smtClean="0"/>
+              <a:rPr lang="en-US" dirty="0" smtClean="0">
+                <a:solidFill>
+                  <a:schemeClr val="tx2">
+                    <a:lumMod val="40000"/>
+                    <a:lumOff val="60000"/>
+                  </a:schemeClr>
+                </a:solidFill>
+              </a:rPr>
               <a:t>4 working units (video potential?)</a:t>
             </a:r>
-            <a:endParaRPr lang="en-US" dirty="0"/>
+            <a:endParaRPr lang="en-US" dirty="0">
+              <a:solidFill>
+                <a:schemeClr val="tx2">
+                  <a:lumMod val="40000"/>
+                  <a:lumOff val="60000"/>
+                </a:schemeClr>
+              </a:solidFill>
+            </a:endParaRPr>
           </a:p>
         </p:txBody>
       </p:sp>
@@ -14157,14 +14304,14 @@
             <a:r>
               <a:rPr lang="en-US" dirty="0" smtClean="0">
                 <a:solidFill>
-                  <a:schemeClr val="bg1"/>
+                  <a:schemeClr val="bg2"/>
                 </a:solidFill>
               </a:rPr>
               <a:t>Contributions</a:t>
             </a:r>
             <a:endParaRPr lang="en-US" dirty="0">
               <a:solidFill>
-                <a:schemeClr val="bg1"/>
+                <a:schemeClr val="bg2"/>
               </a:solidFill>
             </a:endParaRPr>
           </a:p>
@@ -14186,10 +14333,24 @@
           <a:lstStyle/>
           <a:p>
             <a:r>
-              <a:rPr lang="en-US" sz="2800" dirty="0" smtClean="0"/>
+              <a:rPr lang="en-US" sz="2800" dirty="0" smtClean="0">
+                <a:solidFill>
+                  <a:schemeClr val="tx2">
+                    <a:lumMod val="40000"/>
+                    <a:lumOff val="60000"/>
+                  </a:schemeClr>
+                </a:solidFill>
+              </a:rPr>
               <a:t>Max cope</a:t>
             </a:r>
-            <a:endParaRPr lang="en-US" sz="2800" dirty="0"/>
+            <a:endParaRPr lang="en-US" sz="2800" dirty="0">
+              <a:solidFill>
+                <a:schemeClr val="tx2">
+                  <a:lumMod val="40000"/>
+                  <a:lumOff val="60000"/>
+                </a:schemeClr>
+              </a:solidFill>
+            </a:endParaRPr>
           </a:p>
         </p:txBody>
       </p:sp>
@@ -14215,12 +14376,15 @@
               <a:buChar char="•"/>
             </a:pPr>
             <a:r>
-              <a:rPr lang="en-US" sz="2000" dirty="0" smtClean="0"/>
-              <a:t>RF </a:t>
-            </a:r>
-            <a:r>
-              <a:rPr lang="en-US" sz="2000" dirty="0" smtClean="0"/>
-              <a:t>signals</a:t>
+              <a:rPr lang="en-US" sz="2000" dirty="0" smtClean="0">
+                <a:solidFill>
+                  <a:schemeClr val="tx2">
+                    <a:lumMod val="40000"/>
+                    <a:lumOff val="60000"/>
+                  </a:schemeClr>
+                </a:solidFill>
+              </a:rPr>
+              <a:t>RF signals</a:t>
             </a:r>
           </a:p>
           <a:p>
@@ -14229,10 +14393,24 @@
               <a:buChar char="•"/>
             </a:pPr>
             <a:r>
-              <a:rPr lang="en-US" sz="2000" dirty="0" smtClean="0"/>
+              <a:rPr lang="en-US" sz="2000" dirty="0" smtClean="0">
+                <a:solidFill>
+                  <a:schemeClr val="tx2">
+                    <a:lumMod val="40000"/>
+                    <a:lumOff val="60000"/>
+                  </a:schemeClr>
+                </a:solidFill>
+              </a:rPr>
               <a:t>RF Firmware</a:t>
             </a:r>
-            <a:endParaRPr lang="en-US" sz="2000" dirty="0"/>
+            <a:endParaRPr lang="en-US" sz="2000" dirty="0">
+              <a:solidFill>
+                <a:schemeClr val="tx2">
+                  <a:lumMod val="40000"/>
+                  <a:lumOff val="60000"/>
+                </a:schemeClr>
+              </a:solidFill>
+            </a:endParaRPr>
           </a:p>
         </p:txBody>
       </p:sp>
@@ -14252,14 +14430,35 @@
           <a:lstStyle/>
           <a:p>
             <a:r>
-              <a:rPr lang="en-US" sz="2800" dirty="0" smtClean="0"/>
+              <a:rPr lang="en-US" sz="2800" dirty="0" smtClean="0">
+                <a:solidFill>
+                  <a:schemeClr val="tx2">
+                    <a:lumMod val="40000"/>
+                    <a:lumOff val="60000"/>
+                  </a:schemeClr>
+                </a:solidFill>
+              </a:rPr>
               <a:t>Leslie </a:t>
             </a:r>
             <a:r>
-              <a:rPr lang="en-US" sz="2800" dirty="0" err="1" smtClean="0"/>
+              <a:rPr lang="en-US" sz="2800" dirty="0" err="1" smtClean="0">
+                <a:solidFill>
+                  <a:schemeClr val="tx2">
+                    <a:lumMod val="40000"/>
+                    <a:lumOff val="60000"/>
+                  </a:schemeClr>
+                </a:solidFill>
+              </a:rPr>
               <a:t>Eide</a:t>
             </a:r>
-            <a:endParaRPr lang="en-US" sz="2800" dirty="0"/>
+            <a:endParaRPr lang="en-US" sz="2800" dirty="0">
+              <a:solidFill>
+                <a:schemeClr val="tx2">
+                  <a:lumMod val="40000"/>
+                  <a:lumOff val="60000"/>
+                </a:schemeClr>
+              </a:solidFill>
+            </a:endParaRPr>
           </a:p>
         </p:txBody>
       </p:sp>
@@ -14285,7 +14484,14 @@
               <a:buChar char="•"/>
             </a:pPr>
             <a:r>
-              <a:rPr lang="en-US" sz="2000" dirty="0" smtClean="0"/>
+              <a:rPr lang="en-US" sz="2000" dirty="0" smtClean="0">
+                <a:solidFill>
+                  <a:schemeClr val="tx2">
+                    <a:lumMod val="40000"/>
+                    <a:lumOff val="60000"/>
+                  </a:schemeClr>
+                </a:solidFill>
+              </a:rPr>
               <a:t>IR motion detector</a:t>
             </a:r>
           </a:p>
@@ -14295,10 +14501,24 @@
               <a:buChar char="•"/>
             </a:pPr>
             <a:r>
-              <a:rPr lang="en-US" sz="2000" dirty="0" smtClean="0"/>
+              <a:rPr lang="en-US" sz="2000" dirty="0" smtClean="0">
+                <a:solidFill>
+                  <a:schemeClr val="tx2">
+                    <a:lumMod val="40000"/>
+                    <a:lumOff val="60000"/>
+                  </a:schemeClr>
+                </a:solidFill>
+              </a:rPr>
               <a:t>LED output panel</a:t>
             </a:r>
-            <a:endParaRPr lang="en-US" sz="2000" dirty="0"/>
+            <a:endParaRPr lang="en-US" sz="2000" dirty="0">
+              <a:solidFill>
+                <a:schemeClr val="tx2">
+                  <a:lumMod val="40000"/>
+                  <a:lumOff val="60000"/>
+                </a:schemeClr>
+              </a:solidFill>
+            </a:endParaRPr>
           </a:p>
         </p:txBody>
       </p:sp>
@@ -14323,14 +14543,35 @@
           <a:lstStyle/>
           <a:p>
             <a:r>
-              <a:rPr lang="en-US" sz="2800" dirty="0" smtClean="0"/>
+              <a:rPr lang="en-US" sz="2800" dirty="0" smtClean="0">
+                <a:solidFill>
+                  <a:schemeClr val="tx2">
+                    <a:lumMod val="40000"/>
+                    <a:lumOff val="60000"/>
+                  </a:schemeClr>
+                </a:solidFill>
+              </a:rPr>
               <a:t>Chris </a:t>
             </a:r>
             <a:r>
-              <a:rPr lang="en-US" sz="2800" dirty="0" err="1" smtClean="0"/>
+              <a:rPr lang="en-US" sz="2800" dirty="0" err="1" smtClean="0">
+                <a:solidFill>
+                  <a:schemeClr val="tx2">
+                    <a:lumMod val="40000"/>
+                    <a:lumOff val="60000"/>
+                  </a:schemeClr>
+                </a:solidFill>
+              </a:rPr>
               <a:t>Klupenger</a:t>
             </a:r>
-            <a:endParaRPr lang="en-US" sz="2800" dirty="0"/>
+            <a:endParaRPr lang="en-US" sz="2800" dirty="0">
+              <a:solidFill>
+                <a:schemeClr val="tx2">
+                  <a:lumMod val="40000"/>
+                  <a:lumOff val="60000"/>
+                </a:schemeClr>
+              </a:solidFill>
+            </a:endParaRPr>
           </a:p>
         </p:txBody>
       </p:sp>
@@ -14356,7 +14597,14 @@
               <a:buChar char="•"/>
             </a:pPr>
             <a:r>
-              <a:rPr lang="en-US" sz="2000" dirty="0" smtClean="0"/>
+              <a:rPr lang="en-US" sz="2000" dirty="0" smtClean="0">
+                <a:solidFill>
+                  <a:schemeClr val="tx2">
+                    <a:lumMod val="40000"/>
+                    <a:lumOff val="60000"/>
+                  </a:schemeClr>
+                </a:solidFill>
+              </a:rPr>
               <a:t>Microcontroller</a:t>
             </a:r>
           </a:p>
@@ -14366,10 +14614,24 @@
               <a:buChar char="•"/>
             </a:pPr>
             <a:r>
-              <a:rPr lang="en-US" sz="2000" dirty="0" smtClean="0"/>
+              <a:rPr lang="en-US" sz="2000" dirty="0" smtClean="0">
+                <a:solidFill>
+                  <a:schemeClr val="tx2">
+                    <a:lumMod val="40000"/>
+                    <a:lumOff val="60000"/>
+                  </a:schemeClr>
+                </a:solidFill>
+              </a:rPr>
               <a:t>Programming</a:t>
             </a:r>
-            <a:endParaRPr lang="en-US" sz="2000" dirty="0"/>
+            <a:endParaRPr lang="en-US" sz="2000" dirty="0">
+              <a:solidFill>
+                <a:schemeClr val="tx2">
+                  <a:lumMod val="40000"/>
+                  <a:lumOff val="60000"/>
+                </a:schemeClr>
+              </a:solidFill>
+            </a:endParaRPr>
           </a:p>
         </p:txBody>
       </p:sp>
@@ -14506,14 +14768,14 @@
             <a:r>
               <a:rPr lang="en-US" dirty="0" smtClean="0">
                 <a:solidFill>
-                  <a:schemeClr val="bg1"/>
+                  <a:schemeClr val="bg2"/>
                 </a:solidFill>
               </a:rPr>
               <a:t>Lessons Learned</a:t>
             </a:r>
             <a:endParaRPr lang="en-US" dirty="0">
               <a:solidFill>
-                <a:schemeClr val="bg1"/>
+                <a:schemeClr val="bg2"/>
               </a:solidFill>
             </a:endParaRPr>
           </a:p>
@@ -14534,7 +14796,14 @@
           <a:bodyPr/>
           <a:lstStyle/>
           <a:p>
-            <a:endParaRPr lang="en-US" dirty="0"/>
+            <a:endParaRPr lang="en-US" dirty="0">
+              <a:solidFill>
+                <a:schemeClr val="tx2">
+                  <a:lumMod val="40000"/>
+                  <a:lumOff val="60000"/>
+                </a:schemeClr>
+              </a:solidFill>
+            </a:endParaRPr>
           </a:p>
         </p:txBody>
       </p:sp>
@@ -14666,14 +14935,14 @@
             <a:r>
               <a:rPr lang="en-US" dirty="0" smtClean="0">
                 <a:solidFill>
-                  <a:schemeClr val="bg1"/>
+                  <a:schemeClr val="bg2"/>
                 </a:solidFill>
               </a:rPr>
               <a:t>Problem</a:t>
             </a:r>
             <a:endParaRPr lang="en-US" dirty="0">
               <a:solidFill>
-                <a:schemeClr val="bg1"/>
+                <a:schemeClr val="bg2"/>
               </a:solidFill>
             </a:endParaRPr>
           </a:p>
@@ -14696,18 +14965,41 @@
           </a:xfrm>
         </p:spPr>
         <p:txBody>
-          <a:bodyPr/>
+          <a:bodyPr>
+            <a:normAutofit/>
+          </a:bodyPr>
           <a:lstStyle/>
           <a:p>
             <a:r>
-              <a:rPr lang="en-US" dirty="0" smtClean="0"/>
+              <a:rPr lang="en-US" sz="2000" dirty="0" smtClean="0">
+                <a:solidFill>
+                  <a:schemeClr val="tx2">
+                    <a:lumMod val="40000"/>
+                    <a:lumOff val="60000"/>
+                  </a:schemeClr>
+                </a:solidFill>
+              </a:rPr>
               <a:t>Practicum Project </a:t>
             </a:r>
             <a:r>
-              <a:rPr lang="en-US" dirty="0" err="1" smtClean="0"/>
+              <a:rPr lang="en-US" sz="2000" dirty="0" err="1" smtClean="0">
+                <a:solidFill>
+                  <a:schemeClr val="tx2">
+                    <a:lumMod val="40000"/>
+                    <a:lumOff val="60000"/>
+                  </a:schemeClr>
+                </a:solidFill>
+              </a:rPr>
               <a:t>Guidlines</a:t>
             </a:r>
-            <a:endParaRPr lang="en-US" dirty="0" smtClean="0"/>
+            <a:endParaRPr lang="en-US" sz="2000" dirty="0" smtClean="0">
+              <a:solidFill>
+                <a:schemeClr val="tx2">
+                  <a:lumMod val="40000"/>
+                  <a:lumOff val="60000"/>
+                </a:schemeClr>
+              </a:solidFill>
+            </a:endParaRPr>
           </a:p>
         </p:txBody>
       </p:sp>
@@ -14792,15 +15084,15 @@
         </p:nvSpPr>
         <p:spPr>
           <a:xfrm>
-            <a:off x="1077661" y="2709443"/>
-            <a:ext cx="6096000" cy="3835922"/>
+            <a:off x="1185728" y="2709443"/>
+            <a:ext cx="5639024" cy="3175228"/>
           </a:xfrm>
           <a:prstGeom prst="rect">
             <a:avLst/>
           </a:prstGeom>
         </p:spPr>
         <p:txBody>
-          <a:bodyPr>
+          <a:bodyPr wrap="square">
             <a:spAutoFit/>
           </a:bodyPr>
           <a:lstStyle/>
@@ -14817,9 +15109,12 @@
               <a:buChar char="•"/>
             </a:pPr>
             <a:r>
-              <a:rPr lang="en-US" sz="2400" dirty="0" smtClean="0">
+              <a:rPr lang="en-US" sz="2000" dirty="0" smtClean="0">
                 <a:solidFill>
-                  <a:prstClr val="white"/>
+                  <a:schemeClr val="tx2">
+                    <a:lumMod val="40000"/>
+                    <a:lumOff val="60000"/>
+                  </a:schemeClr>
                 </a:solidFill>
                 <a:effectLst>
                   <a:outerShdw blurRad="152400" dist="38100" dir="2700000" algn="tl">
@@ -14831,21 +15126,13 @@
               </a:rPr>
               <a:t>Originally got idea from sprinklers </a:t>
             </a:r>
-          </a:p>
-          <a:p>
-            <a:pPr lvl="0" defTabSz="914400">
-              <a:lnSpc>
-                <a:spcPct val="120000"/>
-              </a:lnSpc>
-              <a:spcBef>
-                <a:spcPts val="1000"/>
-              </a:spcBef>
-              <a:buSzPct val="125000"/>
-            </a:pPr>
-            <a:r>
-              <a:rPr lang="en-US" sz="2400" dirty="0">
+            <a:r>
+              <a:rPr lang="en-US" sz="2000" dirty="0" smtClean="0">
                 <a:solidFill>
-                  <a:prstClr val="white"/>
+                  <a:schemeClr val="tx2">
+                    <a:lumMod val="40000"/>
+                    <a:lumOff val="60000"/>
+                  </a:schemeClr>
                 </a:solidFill>
                 <a:effectLst>
                   <a:outerShdw blurRad="152400" dist="38100" dir="2700000" algn="tl">
@@ -14855,12 +15142,15 @@
                   </a:outerShdw>
                 </a:effectLst>
               </a:rPr>
-              <a:t> </a:t>
-            </a:r>
-            <a:r>
-              <a:rPr lang="en-US" sz="2400" dirty="0" smtClean="0">
+              <a:t>designed </a:t>
+            </a:r>
+            <a:r>
+              <a:rPr lang="en-US" sz="2000" dirty="0" smtClean="0">
                 <a:solidFill>
-                  <a:prstClr val="white"/>
+                  <a:schemeClr val="tx2">
+                    <a:lumMod val="40000"/>
+                    <a:lumOff val="60000"/>
+                  </a:schemeClr>
                 </a:solidFill>
                 <a:effectLst>
                   <a:outerShdw blurRad="152400" dist="38100" dir="2700000" algn="tl">
@@ -14870,22 +15160,7 @@
                   </a:outerShdw>
                 </a:effectLst>
               </a:rPr>
-              <a:t>  </a:t>
-            </a:r>
-            <a:r>
-              <a:rPr lang="en-US" sz="2400" dirty="0" smtClean="0">
-                <a:solidFill>
-                  <a:prstClr val="white"/>
-                </a:solidFill>
-                <a:effectLst>
-                  <a:outerShdw blurRad="152400" dist="38100" dir="2700000" algn="tl">
-                    <a:srgbClr val="000000">
-                      <a:alpha val="36000"/>
-                    </a:srgbClr>
-                  </a:outerShdw>
-                </a:effectLst>
-              </a:rPr>
-              <a:t>designed to keep deer out of yards.</a:t>
+              <a:t>to keep deer out of yards.</a:t>
             </a:r>
           </a:p>
           <a:p>
@@ -14901,9 +15176,12 @@
               <a:buChar char="•"/>
             </a:pPr>
             <a:r>
-              <a:rPr lang="en-US" sz="2400" dirty="0" smtClean="0">
+              <a:rPr lang="en-US" sz="2000" dirty="0" smtClean="0">
                 <a:solidFill>
-                  <a:prstClr val="white"/>
+                  <a:schemeClr val="tx2">
+                    <a:lumMod val="40000"/>
+                    <a:lumOff val="60000"/>
+                  </a:schemeClr>
                 </a:solidFill>
                 <a:effectLst>
                   <a:outerShdw blurRad="152400" dist="38100" dir="2700000" algn="tl">
@@ -14916,9 +15194,12 @@
               <a:t>Interests </a:t>
             </a:r>
             <a:r>
-              <a:rPr lang="en-US" sz="2400" dirty="0">
+              <a:rPr lang="en-US" sz="2000" dirty="0">
                 <a:solidFill>
-                  <a:prstClr val="white"/>
+                  <a:schemeClr val="tx2">
+                    <a:lumMod val="40000"/>
+                    <a:lumOff val="60000"/>
+                  </a:schemeClr>
                 </a:solidFill>
                 <a:effectLst>
                   <a:outerShdw blurRad="152400" dist="38100" dir="2700000" algn="tl">
@@ -14944,9 +15225,12 @@
               <a:buChar char="•"/>
             </a:pPr>
             <a:r>
-              <a:rPr lang="en-US" sz="2400" dirty="0">
+              <a:rPr lang="en-US" sz="2000" dirty="0">
                 <a:solidFill>
-                  <a:prstClr val="white"/>
+                  <a:schemeClr val="tx2">
+                    <a:lumMod val="40000"/>
+                    <a:lumOff val="60000"/>
+                  </a:schemeClr>
                 </a:solidFill>
                 <a:effectLst>
                   <a:outerShdw blurRad="152400" dist="38100" dir="2700000" algn="tl">
@@ -14972,9 +15256,12 @@
               <a:buChar char="•"/>
             </a:pPr>
             <a:r>
-              <a:rPr lang="en-US" sz="2400" dirty="0">
+              <a:rPr lang="en-US" sz="2000" dirty="0">
                 <a:solidFill>
-                  <a:prstClr val="white"/>
+                  <a:schemeClr val="tx2">
+                    <a:lumMod val="40000"/>
+                    <a:lumOff val="60000"/>
+                  </a:schemeClr>
                 </a:solidFill>
                 <a:effectLst>
                   <a:outerShdw blurRad="152400" dist="38100" dir="2700000" algn="tl">
@@ -14999,9 +15286,12 @@
               <a:buFont typeface="Arial" panose="020B0604020202020204" pitchFamily="34" charset="0"/>
               <a:buChar char="•"/>
             </a:pPr>
-            <a:endParaRPr lang="en-US" sz="2400" dirty="0">
+            <a:endParaRPr lang="en-US" sz="2000" dirty="0">
               <a:solidFill>
-                <a:prstClr val="white"/>
+                <a:schemeClr val="tx2">
+                  <a:lumMod val="40000"/>
+                  <a:lumOff val="60000"/>
+                </a:schemeClr>
               </a:solidFill>
               <a:effectLst>
                 <a:outerShdw blurRad="152400" dist="38100" dir="2700000" algn="tl">
@@ -15022,8 +15312,8 @@
         </p:nvSpPr>
         <p:spPr>
           <a:xfrm>
-            <a:off x="1077661" y="2034662"/>
-            <a:ext cx="2659318" cy="646331"/>
+            <a:off x="1169104" y="2034662"/>
+            <a:ext cx="3111749" cy="646331"/>
           </a:xfrm>
           <a:prstGeom prst="rect">
             <a:avLst/>
@@ -15038,7 +15328,7 @@
             <a:r>
               <a:rPr lang="en-US" sz="3600" cap="all" dirty="0" smtClean="0">
                 <a:solidFill>
-                  <a:schemeClr val="bg1"/>
+                  <a:schemeClr val="bg2"/>
                 </a:solidFill>
                 <a:effectLst>
                   <a:outerShdw blurRad="177800" dist="38100" dir="2700000" algn="tl">
@@ -15052,7 +15342,7 @@
             </a:r>
             <a:endParaRPr lang="en-US" dirty="0">
               <a:solidFill>
-                <a:schemeClr val="bg1"/>
+                <a:schemeClr val="bg2"/>
               </a:solidFill>
             </a:endParaRPr>
           </a:p>
@@ -15113,25 +15403,7 @@
               <a:srgbClr val="C0C0C0"/>
             </a:contourClr>
           </a:sp3d>
-          <a:extLst>
-            <a:ext uri="{909E8E84-426E-40DD-AFC4-6F175D3DCCD1}">
-              <a14:hiddenFill xmlns:a14="http://schemas.microsoft.com/office/drawing/2010/main">
-                <a:solidFill>
-                  <a:schemeClr val="accent1"/>
-                </a:solidFill>
-              </a14:hiddenFill>
-            </a:ext>
-            <a:ext uri="{91240B29-F687-4F45-9708-019B960494DF}">
-              <a14:hiddenLine xmlns:a14="http://schemas.microsoft.com/office/drawing/2010/main" w="9525">
-                <a:solidFill>
-                  <a:schemeClr val="tx1"/>
-                </a:solidFill>
-                <a:miter lim="800000"/>
-                <a:headEnd/>
-                <a:tailEnd/>
-              </a14:hiddenLine>
-            </a:ext>
-          </a:extLst>
+          <a:extLst/>
         </p:spPr>
       </p:pic>
     </p:spTree>
@@ -15194,14 +15466,14 @@
             <a:r>
               <a:rPr lang="en-US" dirty="0" smtClean="0">
                 <a:solidFill>
-                  <a:schemeClr val="bg1"/>
+                  <a:schemeClr val="bg2"/>
                 </a:solidFill>
               </a:rPr>
               <a:t>Objective</a:t>
             </a:r>
             <a:endParaRPr lang="en-US" dirty="0">
               <a:solidFill>
-                <a:schemeClr val="bg1"/>
+                <a:schemeClr val="bg2"/>
               </a:solidFill>
             </a:endParaRPr>
           </a:p>
@@ -15228,70 +15500,72 @@
           <a:lstStyle/>
           <a:p>
             <a:r>
-              <a:rPr lang="en-US" dirty="0" smtClean="0"/>
-              <a:t>Develop </a:t>
-            </a:r>
-            <a:r>
-              <a:rPr lang="en-US" dirty="0" smtClean="0"/>
-              <a:t>four </a:t>
-            </a:r>
-            <a:r>
-              <a:rPr lang="en-US" dirty="0" smtClean="0"/>
-              <a:t>working </a:t>
-            </a:r>
-            <a:r>
-              <a:rPr lang="en-US" dirty="0" smtClean="0"/>
-              <a:t>prototypes that </a:t>
-            </a:r>
-            <a:r>
-              <a:rPr lang="en-US" dirty="0" smtClean="0"/>
-              <a:t>can communicate </a:t>
-            </a:r>
-            <a:r>
-              <a:rPr lang="en-US" dirty="0" smtClean="0"/>
-              <a:t>with </a:t>
-            </a:r>
-            <a:r>
-              <a:rPr lang="en-US" dirty="0" smtClean="0"/>
-              <a:t>each other when they sense motion.</a:t>
-            </a:r>
-          </a:p>
-          <a:p>
-            <a:r>
-              <a:rPr lang="en-US" dirty="0" smtClean="0"/>
-              <a:t>Utilize </a:t>
-            </a:r>
-            <a:r>
-              <a:rPr lang="en-US" dirty="0" smtClean="0"/>
-              <a:t>communication within the 2.4GHz ISM band to lessen complexity </a:t>
-            </a:r>
-          </a:p>
-          <a:p>
-            <a:r>
-              <a:rPr lang="en-US" dirty="0" smtClean="0"/>
-              <a:t>Rely </a:t>
-            </a:r>
-            <a:r>
-              <a:rPr lang="en-US" dirty="0" smtClean="0"/>
-              <a:t>on battery power to reduce bulk and understand </a:t>
-            </a:r>
-            <a:r>
-              <a:rPr lang="en-US" dirty="0" smtClean="0"/>
-              <a:t>current </a:t>
-            </a:r>
-            <a:r>
-              <a:rPr lang="en-US" dirty="0" smtClean="0"/>
-              <a:t>dissipation </a:t>
-            </a:r>
-            <a:r>
-              <a:rPr lang="en-US" dirty="0" err="1" smtClean="0"/>
+              <a:rPr lang="en-US" dirty="0" smtClean="0">
+                <a:solidFill>
+                  <a:schemeClr val="tx2">
+                    <a:lumMod val="40000"/>
+                    <a:lumOff val="60000"/>
+                  </a:schemeClr>
+                </a:solidFill>
+              </a:rPr>
+              <a:t>Develop four working prototypes that can communicate with each other when they sense motion.</a:t>
+            </a:r>
+          </a:p>
+          <a:p>
+            <a:r>
+              <a:rPr lang="en-US" dirty="0" smtClean="0">
+                <a:solidFill>
+                  <a:schemeClr val="tx2">
+                    <a:lumMod val="40000"/>
+                    <a:lumOff val="60000"/>
+                  </a:schemeClr>
+                </a:solidFill>
+              </a:rPr>
+              <a:t>Utilize communication within the 2.4GHz ISM band to lessen complexity </a:t>
+            </a:r>
+          </a:p>
+          <a:p>
+            <a:r>
+              <a:rPr lang="en-US" dirty="0" smtClean="0">
+                <a:solidFill>
+                  <a:schemeClr val="tx2">
+                    <a:lumMod val="40000"/>
+                    <a:lumOff val="60000"/>
+                  </a:schemeClr>
+                </a:solidFill>
+              </a:rPr>
+              <a:t>Rely on battery power to reduce bulk and understand current dissipation </a:t>
+            </a:r>
+            <a:r>
+              <a:rPr lang="en-US" dirty="0" err="1" smtClean="0">
+                <a:solidFill>
+                  <a:schemeClr val="tx2">
+                    <a:lumMod val="40000"/>
+                    <a:lumOff val="60000"/>
+                  </a:schemeClr>
+                </a:solidFill>
+              </a:rPr>
               <a:t>vs</a:t>
             </a:r>
             <a:r>
-              <a:rPr lang="en-US" dirty="0" smtClean="0"/>
+              <a:rPr lang="en-US" dirty="0" smtClean="0">
+                <a:solidFill>
+                  <a:schemeClr val="tx2">
+                    <a:lumMod val="40000"/>
+                    <a:lumOff val="60000"/>
+                  </a:schemeClr>
+                </a:solidFill>
+              </a:rPr>
               <a:t> voltage</a:t>
             </a:r>
-            <a:endParaRPr lang="en-US" dirty="0"/>
+            <a:endParaRPr lang="en-US" dirty="0">
+              <a:solidFill>
+                <a:schemeClr val="tx2">
+                  <a:lumMod val="40000"/>
+                  <a:lumOff val="60000"/>
+                </a:schemeClr>
+              </a:solidFill>
+            </a:endParaRPr>
           </a:p>
         </p:txBody>
       </p:sp>
@@ -15497,14 +15771,14 @@
             <a:r>
               <a:rPr lang="en-US" dirty="0" smtClean="0">
                 <a:solidFill>
-                  <a:schemeClr val="bg1"/>
+                  <a:schemeClr val="bg2"/>
                 </a:solidFill>
               </a:rPr>
               <a:t>Alternatives</a:t>
             </a:r>
             <a:endParaRPr lang="en-US" dirty="0">
               <a:solidFill>
-                <a:schemeClr val="bg1"/>
+                <a:schemeClr val="bg2"/>
               </a:solidFill>
             </a:endParaRPr>
           </a:p>
@@ -15526,10 +15800,24 @@
           <a:lstStyle/>
           <a:p>
             <a:r>
-              <a:rPr lang="en-US" dirty="0" smtClean="0"/>
+              <a:rPr lang="en-US" dirty="0" smtClean="0">
+                <a:solidFill>
+                  <a:schemeClr val="tx2">
+                    <a:lumMod val="40000"/>
+                    <a:lumOff val="60000"/>
+                  </a:schemeClr>
+                </a:solidFill>
+              </a:rPr>
               <a:t>Wired</a:t>
             </a:r>
-            <a:endParaRPr lang="en-US" dirty="0"/>
+            <a:endParaRPr lang="en-US" dirty="0">
+              <a:solidFill>
+                <a:schemeClr val="tx2">
+                  <a:lumMod val="40000"/>
+                  <a:lumOff val="60000"/>
+                </a:schemeClr>
+              </a:solidFill>
+            </a:endParaRPr>
           </a:p>
         </p:txBody>
       </p:sp>
@@ -15549,13 +15837,26 @@
           <a:lstStyle/>
           <a:p>
             <a:r>
-              <a:rPr lang="en-US" dirty="0" smtClean="0"/>
+              <a:rPr lang="en-US" dirty="0" smtClean="0">
+                <a:solidFill>
+                  <a:schemeClr val="tx2">
+                    <a:lumMod val="40000"/>
+                    <a:lumOff val="60000"/>
+                  </a:schemeClr>
+                </a:solidFill>
+              </a:rPr>
               <a:t>Inefficient at larger ranges</a:t>
             </a:r>
-            <a:endParaRPr lang="en-US" dirty="0" smtClean="0"/>
-          </a:p>
-          <a:p>
-            <a:endParaRPr lang="en-US" dirty="0"/>
+          </a:p>
+          <a:p>
+            <a:endParaRPr lang="en-US" dirty="0">
+              <a:solidFill>
+                <a:schemeClr val="tx2">
+                  <a:lumMod val="40000"/>
+                  <a:lumOff val="60000"/>
+                </a:schemeClr>
+              </a:solidFill>
+            </a:endParaRPr>
           </a:p>
         </p:txBody>
       </p:sp>
@@ -15575,10 +15876,24 @@
           <a:lstStyle/>
           <a:p>
             <a:r>
-              <a:rPr lang="en-US" dirty="0" err="1" smtClean="0"/>
+              <a:rPr lang="en-US" dirty="0" err="1" smtClean="0">
+                <a:solidFill>
+                  <a:schemeClr val="tx2">
+                    <a:lumMod val="40000"/>
+                    <a:lumOff val="60000"/>
+                  </a:schemeClr>
+                </a:solidFill>
+              </a:rPr>
               <a:t>Wi-fi</a:t>
             </a:r>
-            <a:endParaRPr lang="en-US" dirty="0"/>
+            <a:endParaRPr lang="en-US" dirty="0">
+              <a:solidFill>
+                <a:schemeClr val="tx2">
+                  <a:lumMod val="40000"/>
+                  <a:lumOff val="60000"/>
+                </a:schemeClr>
+              </a:solidFill>
+            </a:endParaRPr>
           </a:p>
         </p:txBody>
       </p:sp>
@@ -15598,16 +15913,26 @@
           <a:lstStyle/>
           <a:p>
             <a:r>
-              <a:rPr lang="en-US" dirty="0" smtClean="0"/>
-              <a:t>Bluetooth was also </a:t>
-            </a:r>
-            <a:r>
-              <a:rPr lang="en-US" dirty="0" smtClean="0"/>
-              <a:t>explored</a:t>
-            </a:r>
-          </a:p>
-          <a:p>
-            <a:endParaRPr lang="en-US" dirty="0"/>
+              <a:rPr lang="en-US" dirty="0" smtClean="0">
+                <a:solidFill>
+                  <a:schemeClr val="tx2">
+                    <a:lumMod val="40000"/>
+                    <a:lumOff val="60000"/>
+                  </a:schemeClr>
+                </a:solidFill>
+              </a:rPr>
+              <a:t>Bluetooth was also explored</a:t>
+            </a:r>
+          </a:p>
+          <a:p>
+            <a:endParaRPr lang="en-US" dirty="0">
+              <a:solidFill>
+                <a:schemeClr val="tx2">
+                  <a:lumMod val="40000"/>
+                  <a:lumOff val="60000"/>
+                </a:schemeClr>
+              </a:solidFill>
+            </a:endParaRPr>
           </a:p>
         </p:txBody>
       </p:sp>
@@ -15744,14 +16069,14 @@
             <a:r>
               <a:rPr lang="en-US" dirty="0" smtClean="0">
                 <a:solidFill>
-                  <a:schemeClr val="bg1"/>
+                  <a:schemeClr val="bg2"/>
                 </a:solidFill>
               </a:rPr>
               <a:t>Requirements</a:t>
             </a:r>
             <a:endParaRPr lang="en-US" dirty="0">
               <a:solidFill>
-                <a:schemeClr val="bg1"/>
+                <a:schemeClr val="bg2"/>
               </a:solidFill>
             </a:endParaRPr>
           </a:p>
@@ -15778,10 +16103,24 @@
           <a:lstStyle/>
           <a:p>
             <a:r>
-              <a:rPr lang="en-US" sz="2800" dirty="0" smtClean="0"/>
+              <a:rPr lang="en-US" sz="2800" dirty="0" smtClean="0">
+                <a:solidFill>
+                  <a:schemeClr val="tx2">
+                    <a:lumMod val="40000"/>
+                    <a:lumOff val="60000"/>
+                  </a:schemeClr>
+                </a:solidFill>
+              </a:rPr>
               <a:t>Motion Sensor</a:t>
             </a:r>
-            <a:endParaRPr lang="en-US" sz="2800" dirty="0"/>
+            <a:endParaRPr lang="en-US" sz="2800" dirty="0">
+              <a:solidFill>
+                <a:schemeClr val="tx2">
+                  <a:lumMod val="40000"/>
+                  <a:lumOff val="60000"/>
+                </a:schemeClr>
+              </a:solidFill>
+            </a:endParaRPr>
           </a:p>
         </p:txBody>
       </p:sp>
@@ -15810,7 +16149,14 @@
               <a:buChar char="•"/>
             </a:pPr>
             <a:r>
-              <a:rPr lang="en-US" sz="2000" dirty="0" smtClean="0"/>
+              <a:rPr lang="en-US" sz="2000" dirty="0" smtClean="0">
+                <a:solidFill>
+                  <a:schemeClr val="tx2">
+                    <a:lumMod val="40000"/>
+                    <a:lumOff val="60000"/>
+                  </a:schemeClr>
+                </a:solidFill>
+              </a:rPr>
               <a:t>Used to sense motion within a specified range </a:t>
             </a:r>
           </a:p>
@@ -15820,7 +16166,14 @@
               <a:buChar char="•"/>
             </a:pPr>
             <a:r>
-              <a:rPr lang="en-US" sz="2000" dirty="0" smtClean="0"/>
+              <a:rPr lang="en-US" sz="2000" dirty="0" smtClean="0">
+                <a:solidFill>
+                  <a:schemeClr val="tx2">
+                    <a:lumMod val="40000"/>
+                    <a:lumOff val="60000"/>
+                  </a:schemeClr>
+                </a:solidFill>
+              </a:rPr>
               <a:t>Signal used to send specified signal to microcontroller for further processing</a:t>
             </a:r>
           </a:p>
@@ -15854,10 +16207,24 @@
           <a:lstStyle/>
           <a:p>
             <a:r>
-              <a:rPr lang="en-US" sz="2800" dirty="0" smtClean="0"/>
+              <a:rPr lang="en-US" sz="2800" dirty="0" smtClean="0">
+                <a:solidFill>
+                  <a:schemeClr val="tx2">
+                    <a:lumMod val="40000"/>
+                    <a:lumOff val="60000"/>
+                  </a:schemeClr>
+                </a:solidFill>
+              </a:rPr>
               <a:t>microcontroller</a:t>
             </a:r>
-            <a:endParaRPr lang="en-US" sz="2800" dirty="0"/>
+            <a:endParaRPr lang="en-US" sz="2800" dirty="0">
+              <a:solidFill>
+                <a:schemeClr val="tx2">
+                  <a:lumMod val="40000"/>
+                  <a:lumOff val="60000"/>
+                </a:schemeClr>
+              </a:solidFill>
+            </a:endParaRPr>
           </a:p>
         </p:txBody>
       </p:sp>
@@ -15888,7 +16255,14 @@
               <a:buChar char="•"/>
             </a:pPr>
             <a:r>
-              <a:rPr lang="en-US" sz="2000" dirty="0" smtClean="0"/>
+              <a:rPr lang="en-US" sz="2000" dirty="0" smtClean="0">
+                <a:solidFill>
+                  <a:schemeClr val="tx2">
+                    <a:lumMod val="40000"/>
+                    <a:lumOff val="60000"/>
+                  </a:schemeClr>
+                </a:solidFill>
+              </a:rPr>
               <a:t>Central to the operation of this system</a:t>
             </a:r>
           </a:p>
@@ -15898,7 +16272,14 @@
               <a:buChar char="•"/>
             </a:pPr>
             <a:r>
-              <a:rPr lang="en-US" sz="2000" dirty="0" smtClean="0"/>
+              <a:rPr lang="en-US" sz="2000" dirty="0" smtClean="0">
+                <a:solidFill>
+                  <a:schemeClr val="tx2">
+                    <a:lumMod val="40000"/>
+                    <a:lumOff val="60000"/>
+                  </a:schemeClr>
+                </a:solidFill>
+              </a:rPr>
               <a:t>Takes signal from IR and tells the RF module to send a signal that it detected motion</a:t>
             </a:r>
           </a:p>
@@ -15908,10 +16289,24 @@
               <a:buChar char="•"/>
             </a:pPr>
             <a:r>
-              <a:rPr lang="en-US" sz="2000" dirty="0" smtClean="0"/>
+              <a:rPr lang="en-US" sz="2000" dirty="0" smtClean="0">
+                <a:solidFill>
+                  <a:schemeClr val="tx2">
+                    <a:lumMod val="40000"/>
+                    <a:lumOff val="60000"/>
+                  </a:schemeClr>
+                </a:solidFill>
+              </a:rPr>
               <a:t>Takes signal from RF module that another unit sensed motion and light up the corresponding LED associated with the unit ID</a:t>
             </a:r>
-            <a:endParaRPr lang="en-US" sz="2000" dirty="0"/>
+            <a:endParaRPr lang="en-US" sz="2000" dirty="0">
+              <a:solidFill>
+                <a:schemeClr val="tx2">
+                  <a:lumMod val="40000"/>
+                  <a:lumOff val="60000"/>
+                </a:schemeClr>
+              </a:solidFill>
+            </a:endParaRPr>
           </a:p>
         </p:txBody>
       </p:sp>
@@ -15936,10 +16331,24 @@
           <a:lstStyle/>
           <a:p>
             <a:r>
-              <a:rPr lang="en-US" sz="2800" dirty="0" smtClean="0"/>
+              <a:rPr lang="en-US" sz="2800" dirty="0" smtClean="0">
+                <a:solidFill>
+                  <a:schemeClr val="tx2">
+                    <a:lumMod val="40000"/>
+                    <a:lumOff val="60000"/>
+                  </a:schemeClr>
+                </a:solidFill>
+              </a:rPr>
               <a:t>Signal </a:t>
             </a:r>
-            <a:endParaRPr lang="en-US" sz="2800" dirty="0"/>
+            <a:endParaRPr lang="en-US" sz="2800" dirty="0">
+              <a:solidFill>
+                <a:schemeClr val="tx2">
+                  <a:lumMod val="40000"/>
+                  <a:lumOff val="60000"/>
+                </a:schemeClr>
+              </a:solidFill>
+            </a:endParaRPr>
           </a:p>
         </p:txBody>
       </p:sp>
@@ -15970,7 +16379,14 @@
               <a:buChar char="•"/>
             </a:pPr>
             <a:r>
-              <a:rPr lang="en-US" sz="2000" dirty="0" smtClean="0"/>
+              <a:rPr lang="en-US" sz="2000" dirty="0" smtClean="0">
+                <a:solidFill>
+                  <a:schemeClr val="tx2">
+                    <a:lumMod val="40000"/>
+                    <a:lumOff val="60000"/>
+                  </a:schemeClr>
+                </a:solidFill>
+              </a:rPr>
               <a:t>In standby listening for a signal from the other units to send to the microcontroller</a:t>
             </a:r>
           </a:p>
@@ -15980,10 +16396,24 @@
               <a:buChar char="•"/>
             </a:pPr>
             <a:r>
-              <a:rPr lang="en-US" sz="2000" dirty="0" smtClean="0"/>
+              <a:rPr lang="en-US" sz="2000" dirty="0" smtClean="0">
+                <a:solidFill>
+                  <a:schemeClr val="tx2">
+                    <a:lumMod val="40000"/>
+                    <a:lumOff val="60000"/>
+                  </a:schemeClr>
+                </a:solidFill>
+              </a:rPr>
               <a:t>When prompted from the Microcontroller a signal with unit ID is transmitted to the other units</a:t>
             </a:r>
-            <a:endParaRPr lang="en-US" sz="2000" dirty="0"/>
+            <a:endParaRPr lang="en-US" sz="2000" dirty="0">
+              <a:solidFill>
+                <a:schemeClr val="tx2">
+                  <a:lumMod val="40000"/>
+                  <a:lumOff val="60000"/>
+                </a:schemeClr>
+              </a:solidFill>
+            </a:endParaRPr>
           </a:p>
         </p:txBody>
       </p:sp>
@@ -16120,14 +16550,14 @@
             <a:r>
               <a:rPr lang="en-US" dirty="0" smtClean="0">
                 <a:solidFill>
-                  <a:schemeClr val="bg1"/>
+                  <a:schemeClr val="bg2"/>
                 </a:solidFill>
               </a:rPr>
               <a:t>Approach</a:t>
             </a:r>
             <a:endParaRPr lang="en-US" dirty="0">
               <a:solidFill>
-                <a:schemeClr val="bg1"/>
+                <a:schemeClr val="bg2"/>
               </a:solidFill>
             </a:endParaRPr>
           </a:p>
@@ -16291,7 +16721,7 @@
           <a:graphicData uri="http://schemas.openxmlformats.org/presentationml/2006/ole">
             <mc:AlternateContent xmlns:mc="http://schemas.openxmlformats.org/markup-compatibility/2006">
               <mc:Choice xmlns:v="urn:schemas-microsoft-com:vml" Requires="v">
-                <p:oleObj spid="_x0000_s13336" r:id="rId3" imgW="5067465" imgH="5813949" progId="Visio.Drawing.15">
+                <p:oleObj spid="_x0000_s13340" r:id="rId3" imgW="5067465" imgH="5813949" progId="Visio.Drawing.15">
                   <p:embed/>
                 </p:oleObj>
               </mc:Choice>
@@ -16421,7 +16851,7 @@
           <a:graphicData uri="http://schemas.openxmlformats.org/presentationml/2006/ole">
             <mc:AlternateContent xmlns:mc="http://schemas.openxmlformats.org/markup-compatibility/2006">
               <mc:Choice xmlns:v="urn:schemas-microsoft-com:vml" Requires="v">
-                <p:oleObj spid="_x0000_s13337" r:id="rId5" imgW="6103656" imgH="4015614" progId="Visio.Drawing.15">
+                <p:oleObj spid="_x0000_s13341" r:id="rId5" imgW="6103656" imgH="4015614" progId="Visio.Drawing.15">
                   <p:embed/>
                 </p:oleObj>
               </mc:Choice>
@@ -16525,7 +16955,7 @@
           <a:graphicData uri="http://schemas.openxmlformats.org/presentationml/2006/ole">
             <mc:AlternateContent xmlns:mc="http://schemas.openxmlformats.org/markup-compatibility/2006">
               <mc:Choice xmlns:v="urn:schemas-microsoft-com:vml" Requires="v">
-                <p:oleObj spid="_x0000_s14352" name="Visio" r:id="rId3" imgW="7307545" imgH="6804557" progId="Visio.Drawing.15">
+                <p:oleObj spid="_x0000_s14354" name="Visio" r:id="rId3" imgW="7307545" imgH="6804557" progId="Visio.Drawing.15">
                   <p:embed/>
                 </p:oleObj>
               </mc:Choice>
@@ -16595,14 +17025,14 @@
             <a:r>
               <a:rPr lang="en-US" sz="3600" dirty="0" smtClean="0">
                 <a:solidFill>
-                  <a:schemeClr val="bg1"/>
+                  <a:schemeClr val="bg2"/>
                 </a:solidFill>
               </a:rPr>
               <a:t>Design</a:t>
             </a:r>
             <a:endParaRPr lang="en-US" sz="3600" dirty="0">
               <a:solidFill>
-                <a:schemeClr val="bg1"/>
+                <a:schemeClr val="bg2"/>
               </a:solidFill>
             </a:endParaRPr>
           </a:p>
@@ -16629,52 +17059,126 @@
           <a:lstStyle/>
           <a:p>
             <a:r>
-              <a:rPr lang="en-US" dirty="0" smtClean="0"/>
+              <a:rPr lang="en-US" dirty="0" smtClean="0">
+                <a:solidFill>
+                  <a:schemeClr val="tx2">
+                    <a:lumMod val="40000"/>
+                    <a:lumOff val="60000"/>
+                  </a:schemeClr>
+                </a:solidFill>
+              </a:rPr>
               <a:t>Selection of motion detection</a:t>
             </a:r>
           </a:p>
           <a:p>
             <a:r>
-              <a:rPr lang="en-US" dirty="0" smtClean="0"/>
+              <a:rPr lang="en-US" dirty="0" smtClean="0">
+                <a:solidFill>
+                  <a:schemeClr val="tx2">
+                    <a:lumMod val="40000"/>
+                    <a:lumOff val="60000"/>
+                  </a:schemeClr>
+                </a:solidFill>
+              </a:rPr>
               <a:t>Selection of Microcontroller</a:t>
             </a:r>
           </a:p>
           <a:p>
             <a:r>
-              <a:rPr lang="en-US" dirty="0"/>
+              <a:rPr lang="en-US" dirty="0">
+                <a:solidFill>
+                  <a:schemeClr val="tx2">
+                    <a:lumMod val="40000"/>
+                    <a:lumOff val="60000"/>
+                  </a:schemeClr>
+                </a:solidFill>
+              </a:rPr>
               <a:t>Selection of communication</a:t>
             </a:r>
           </a:p>
           <a:p>
             <a:r>
-              <a:rPr lang="en-US" dirty="0" smtClean="0"/>
-              <a:t>Selection of Actuator</a:t>
-            </a:r>
-          </a:p>
-          <a:p>
-            <a:r>
-              <a:rPr lang="en-US" dirty="0" smtClean="0"/>
+              <a:rPr lang="en-US" dirty="0" smtClean="0">
+                <a:solidFill>
+                  <a:schemeClr val="tx2">
+                    <a:lumMod val="40000"/>
+                    <a:lumOff val="60000"/>
+                  </a:schemeClr>
+                </a:solidFill>
+              </a:rPr>
+              <a:t>Selection </a:t>
+            </a:r>
+            <a:r>
+              <a:rPr lang="en-US" dirty="0" smtClean="0">
+                <a:solidFill>
+                  <a:schemeClr val="tx2">
+                    <a:lumMod val="40000"/>
+                    <a:lumOff val="60000"/>
+                  </a:schemeClr>
+                </a:solidFill>
+              </a:rPr>
+              <a:t>of Actuator</a:t>
+            </a:r>
+          </a:p>
+          <a:p>
+            <a:r>
+              <a:rPr lang="en-US" dirty="0" smtClean="0">
+                <a:solidFill>
+                  <a:schemeClr val="tx2">
+                    <a:lumMod val="40000"/>
+                    <a:lumOff val="60000"/>
+                  </a:schemeClr>
+                </a:solidFill>
+              </a:rPr>
               <a:t>Selection of battery power</a:t>
             </a:r>
           </a:p>
           <a:p>
             <a:r>
-              <a:rPr lang="en-US" dirty="0" smtClean="0"/>
+              <a:rPr lang="en-US" dirty="0" smtClean="0">
+                <a:solidFill>
+                  <a:schemeClr val="tx2">
+                    <a:lumMod val="40000"/>
+                    <a:lumOff val="60000"/>
+                  </a:schemeClr>
+                </a:solidFill>
+              </a:rPr>
               <a:t>Design of schematic</a:t>
             </a:r>
           </a:p>
           <a:p>
             <a:r>
-              <a:rPr lang="en-US" dirty="0" smtClean="0"/>
+              <a:rPr lang="en-US" dirty="0" smtClean="0">
+                <a:solidFill>
+                  <a:schemeClr val="tx2">
+                    <a:lumMod val="40000"/>
+                    <a:lumOff val="60000"/>
+                  </a:schemeClr>
+                </a:solidFill>
+              </a:rPr>
               <a:t>Design of PCB</a:t>
             </a:r>
           </a:p>
           <a:p>
             <a:r>
-              <a:rPr lang="en-US" dirty="0" smtClean="0"/>
+              <a:rPr lang="en-US" dirty="0" smtClean="0">
+                <a:solidFill>
+                  <a:schemeClr val="tx2">
+                    <a:lumMod val="40000"/>
+                    <a:lumOff val="60000"/>
+                  </a:schemeClr>
+                </a:solidFill>
+              </a:rPr>
               <a:t>Housing</a:t>
             </a:r>
-            <a:endParaRPr lang="en-US" dirty="0"/>
+            <a:endParaRPr lang="en-US" dirty="0">
+              <a:solidFill>
+                <a:schemeClr val="tx2">
+                  <a:lumMod val="40000"/>
+                  <a:lumOff val="60000"/>
+                </a:schemeClr>
+              </a:solidFill>
+            </a:endParaRPr>
           </a:p>
         </p:txBody>
       </p:sp>
@@ -16871,7 +17375,7 @@
             <a:r>
               <a:rPr lang="en-US" dirty="0" smtClean="0">
                 <a:solidFill>
-                  <a:schemeClr val="bg1"/>
+                  <a:schemeClr val="bg2"/>
                 </a:solidFill>
               </a:rPr>
               <a:t>Infrared motion sensor</a:t>
@@ -16879,21 +17383,21 @@
             <a:br>
               <a:rPr lang="en-US" dirty="0" smtClean="0">
                 <a:solidFill>
-                  <a:schemeClr val="bg1"/>
+                  <a:schemeClr val="bg2"/>
                 </a:solidFill>
               </a:rPr>
             </a:br>
             <a:r>
               <a:rPr lang="en-US" dirty="0" smtClean="0">
                 <a:solidFill>
-                  <a:schemeClr val="bg1"/>
+                  <a:schemeClr val="bg2"/>
                 </a:solidFill>
               </a:rPr>
               <a:t>Design</a:t>
             </a:r>
             <a:endParaRPr lang="en-US" dirty="0">
               <a:solidFill>
-                <a:schemeClr val="bg1"/>
+                <a:schemeClr val="bg2"/>
               </a:solidFill>
             </a:endParaRPr>
           </a:p>
@@ -16919,7 +17423,14 @@
               <a:buChar char="•"/>
             </a:pPr>
             <a:r>
-              <a:rPr lang="en-US" sz="3200" dirty="0" smtClean="0"/>
+              <a:rPr lang="en-US" sz="3200" dirty="0" smtClean="0">
+                <a:solidFill>
+                  <a:schemeClr val="tx2">
+                    <a:lumMod val="40000"/>
+                    <a:lumOff val="60000"/>
+                  </a:schemeClr>
+                </a:solidFill>
+              </a:rPr>
               <a:t>Range</a:t>
             </a:r>
           </a:p>
@@ -16929,7 +17440,14 @@
               <a:buChar char="•"/>
             </a:pPr>
             <a:r>
-              <a:rPr lang="en-US" sz="3200" dirty="0" smtClean="0"/>
+              <a:rPr lang="en-US" sz="3200" dirty="0" smtClean="0">
+                <a:solidFill>
+                  <a:schemeClr val="tx2">
+                    <a:lumMod val="40000"/>
+                    <a:lumOff val="60000"/>
+                  </a:schemeClr>
+                </a:solidFill>
+              </a:rPr>
               <a:t>Output of Signal</a:t>
             </a:r>
           </a:p>
@@ -16938,7 +17456,14 @@
               <a:buFont typeface="Arial" panose="020B0604020202020204" pitchFamily="34" charset="0"/>
               <a:buChar char="•"/>
             </a:pPr>
-            <a:endParaRPr lang="en-US" dirty="0"/>
+            <a:endParaRPr lang="en-US" dirty="0">
+              <a:solidFill>
+                <a:schemeClr val="tx2">
+                  <a:lumMod val="40000"/>
+                  <a:lumOff val="60000"/>
+                </a:schemeClr>
+              </a:solidFill>
+            </a:endParaRPr>
           </a:p>
         </p:txBody>
       </p:sp>
@@ -17070,15 +17595,7 @@
               <a:srgbClr val="C0C0C0"/>
             </a:contourClr>
           </a:sp3d>
-          <a:extLst>
-            <a:ext uri="{909E8E84-426E-40DD-AFC4-6F175D3DCCD1}">
-              <a14:hiddenFill xmlns:a14="http://schemas.microsoft.com/office/drawing/2010/main">
-                <a:solidFill>
-                  <a:srgbClr val="FFFFFF"/>
-                </a:solidFill>
-              </a14:hiddenFill>
-            </a:ext>
-          </a:extLst>
+          <a:extLst/>
         </p:spPr>
       </p:pic>
     </p:spTree>
@@ -17136,14 +17653,14 @@
             <a:r>
               <a:rPr lang="en-US" dirty="0" smtClean="0">
                 <a:solidFill>
-                  <a:schemeClr val="bg1"/>
+                  <a:schemeClr val="bg2"/>
                 </a:solidFill>
               </a:rPr>
               <a:t>Radio frequency Communication</a:t>
             </a:r>
             <a:endParaRPr lang="en-US" dirty="0">
               <a:solidFill>
-                <a:schemeClr val="bg1"/>
+                <a:schemeClr val="bg2"/>
               </a:solidFill>
             </a:endParaRPr>
           </a:p>
@@ -17172,6 +17689,12 @@
             </a:pPr>
             <a:r>
               <a:rPr lang="en-US" sz="3200" dirty="0" smtClean="0">
+                <a:solidFill>
+                  <a:schemeClr val="tx2">
+                    <a:lumMod val="40000"/>
+                    <a:lumOff val="60000"/>
+                  </a:schemeClr>
+                </a:solidFill>
                 <a:effectLst/>
               </a:rPr>
               <a:t>2.4 GHz ISM Band</a:t>
@@ -17181,11 +17704,23 @@
             <a:pPr lvl="1"/>
             <a:r>
               <a:rPr lang="en-US" sz="3200" dirty="0">
+                <a:solidFill>
+                  <a:schemeClr val="tx2">
+                    <a:lumMod val="40000"/>
+                    <a:lumOff val="60000"/>
+                  </a:schemeClr>
+                </a:solidFill>
                 <a:effectLst/>
               </a:rPr>
               <a:t>Worldwide license-free</a:t>
             </a:r>
             <a:endParaRPr lang="en-US" sz="3000" dirty="0" smtClean="0">
+              <a:solidFill>
+                <a:schemeClr val="tx2">
+                  <a:lumMod val="40000"/>
+                  <a:lumOff val="60000"/>
+                </a:schemeClr>
+              </a:solidFill>
               <a:effectLst/>
             </a:endParaRPr>
           </a:p>
@@ -17196,6 +17731,12 @@
             </a:pPr>
             <a:r>
               <a:rPr lang="en-US" sz="3200" dirty="0" smtClean="0">
+                <a:solidFill>
+                  <a:schemeClr val="tx2">
+                    <a:lumMod val="40000"/>
+                    <a:lumOff val="60000"/>
+                  </a:schemeClr>
+                </a:solidFill>
                 <a:effectLst/>
               </a:rPr>
               <a:t>GFSK modulation</a:t>
@@ -17208,6 +17749,12 @@
             </a:pPr>
             <a:r>
               <a:rPr lang="en-US" sz="3200" dirty="0" smtClean="0">
+                <a:solidFill>
+                  <a:schemeClr val="tx2">
+                    <a:lumMod val="40000"/>
+                    <a:lumOff val="60000"/>
+                  </a:schemeClr>
+                </a:solidFill>
                 <a:effectLst/>
               </a:rPr>
               <a:t>Communication Pipes</a:t>
@@ -17220,17 +17767,36 @@
             </a:pPr>
             <a:r>
               <a:rPr lang="en-US" sz="3200" dirty="0" smtClean="0">
+                <a:solidFill>
+                  <a:schemeClr val="tx2">
+                    <a:lumMod val="40000"/>
+                    <a:lumOff val="60000"/>
+                  </a:schemeClr>
+                </a:solidFill>
                 <a:effectLst/>
               </a:rPr>
               <a:t>SPI interfacing with </a:t>
             </a:r>
             <a:r>
               <a:rPr lang="en-US" sz="3200" dirty="0" err="1" smtClean="0">
+                <a:solidFill>
+                  <a:schemeClr val="tx2">
+                    <a:lumMod val="40000"/>
+                    <a:lumOff val="60000"/>
+                  </a:schemeClr>
+                </a:solidFill>
                 <a:effectLst/>
               </a:rPr>
               <a:t>uC</a:t>
             </a:r>
-            <a:endParaRPr lang="en-US" sz="3200" dirty="0"/>
+            <a:endParaRPr lang="en-US" sz="3200" dirty="0">
+              <a:solidFill>
+                <a:schemeClr val="tx2">
+                  <a:lumMod val="40000"/>
+                  <a:lumOff val="60000"/>
+                </a:schemeClr>
+              </a:solidFill>
+            </a:endParaRPr>
           </a:p>
         </p:txBody>
       </p:sp>
@@ -17362,15 +17928,7 @@
               <a:srgbClr val="C0C0C0"/>
             </a:contourClr>
           </a:sp3d>
-          <a:extLst>
-            <a:ext uri="{909E8E84-426E-40DD-AFC4-6F175D3DCCD1}">
-              <a14:hiddenFill xmlns:a14="http://schemas.microsoft.com/office/drawing/2010/main">
-                <a:solidFill>
-                  <a:srgbClr val="FFFFFF"/>
-                </a:solidFill>
-              </a14:hiddenFill>
-            </a:ext>
-          </a:extLst>
+          <a:extLst/>
         </p:spPr>
       </p:pic>
     </p:spTree>
@@ -17638,7 +18196,7 @@
   <a:extraClrSchemeLst/>
   <a:extLst>
     <a:ext uri="{05A4C25C-085E-4340-85A3-A5531E510DB2}">
-      <thm15:themeFamily xmlns:thm15="http://schemas.microsoft.com/office/thememl/2012/main" xmlns="" name="Circuit" id="{0AC2F7E7-15F5-431C-B2A2-456FE929F56C}" vid="{97ECCC31-8429-4523-BE8D-8F09B7A4D46D}"/>
+      <thm15:themeFamily xmlns:thm15="http://schemas.microsoft.com/office/thememl/2012/main" name="Circuit" id="{0AC2F7E7-15F5-431C-B2A2-456FE929F56C}" vid="{97ECCC31-8429-4523-BE8D-8F09B7A4D46D}"/>
     </a:ext>
   </a:extLst>
 </a:theme>

--- a/Project Details/IR Presentation 2.pptx
+++ b/Project Details/IR Presentation 2.pptx
@@ -123,7 +123,7 @@
   </p:defaultTextStyle>
   <p:extLst>
     <p:ext uri="{EFAFB233-063F-42B5-8137-9DF3F51BA10A}">
-      <p15:sldGuideLst xmlns:p15="http://schemas.microsoft.com/office/powerpoint/2012/main">
+      <p15:sldGuideLst xmlns:p15="http://schemas.microsoft.com/office/powerpoint/2012/main" xmlns="">
         <p15:guide id="1" orient="horz" pos="2160">
           <p15:clr>
             <a:srgbClr val="A4A3A4"/>
@@ -4423,7 +4423,7 @@
           <a:p>
             <a:fld id="{48A87A34-81AB-432B-8DAE-1953F412C126}" type="datetimeFigureOut">
               <a:rPr lang="en-US" dirty="0"/>
-              <a:t>12/2/2013</a:t>
+              <a:t>12/3/2013</a:t>
             </a:fld>
             <a:endParaRPr lang="en-US" dirty="0"/>
           </a:p>
@@ -4685,7 +4685,7 @@
           <a:p>
             <a:fld id="{48A87A34-81AB-432B-8DAE-1953F412C126}" type="datetimeFigureOut">
               <a:rPr lang="en-US" dirty="0"/>
-              <a:t>12/2/2013</a:t>
+              <a:t>12/3/2013</a:t>
             </a:fld>
             <a:endParaRPr lang="en-US" dirty="0"/>
           </a:p>
@@ -4876,7 +4876,7 @@
           <a:p>
             <a:fld id="{48A87A34-81AB-432B-8DAE-1953F412C126}" type="datetimeFigureOut">
               <a:rPr lang="en-US" dirty="0"/>
-              <a:t>12/2/2013</a:t>
+              <a:t>12/3/2013</a:t>
             </a:fld>
             <a:endParaRPr lang="en-US" dirty="0"/>
           </a:p>
@@ -5134,7 +5134,7 @@
           <a:p>
             <a:fld id="{48A87A34-81AB-432B-8DAE-1953F412C126}" type="datetimeFigureOut">
               <a:rPr lang="en-US" dirty="0"/>
-              <a:t>12/2/2013</a:t>
+              <a:t>12/3/2013</a:t>
             </a:fld>
             <a:endParaRPr lang="en-US" dirty="0"/>
           </a:p>
@@ -5563,7 +5563,7 @@
           <a:p>
             <a:fld id="{48A87A34-81AB-432B-8DAE-1953F412C126}" type="datetimeFigureOut">
               <a:rPr lang="en-US" dirty="0"/>
-              <a:t>12/2/2013</a:t>
+              <a:t>12/3/2013</a:t>
             </a:fld>
             <a:endParaRPr lang="en-US" dirty="0"/>
           </a:p>
@@ -6104,7 +6104,7 @@
           <a:p>
             <a:fld id="{48A87A34-81AB-432B-8DAE-1953F412C126}" type="datetimeFigureOut">
               <a:rPr lang="en-US" dirty="0"/>
-              <a:t>12/2/2013</a:t>
+              <a:t>12/3/2013</a:t>
             </a:fld>
             <a:endParaRPr lang="en-US" dirty="0"/>
           </a:p>
@@ -6819,7 +6819,7 @@
           <a:p>
             <a:fld id="{48A87A34-81AB-432B-8DAE-1953F412C126}" type="datetimeFigureOut">
               <a:rPr lang="en-US" dirty="0"/>
-              <a:t>12/2/2013</a:t>
+              <a:t>12/3/2013</a:t>
             </a:fld>
             <a:endParaRPr lang="en-US" dirty="0"/>
           </a:p>
@@ -6984,7 +6984,7 @@
           <a:p>
             <a:fld id="{48A87A34-81AB-432B-8DAE-1953F412C126}" type="datetimeFigureOut">
               <a:rPr lang="en-US" dirty="0"/>
-              <a:t>12/2/2013</a:t>
+              <a:t>12/3/2013</a:t>
             </a:fld>
             <a:endParaRPr lang="en-US" dirty="0"/>
           </a:p>
@@ -7159,7 +7159,7 @@
           <a:p>
             <a:fld id="{48A87A34-81AB-432B-8DAE-1953F412C126}" type="datetimeFigureOut">
               <a:rPr lang="en-US" dirty="0"/>
-              <a:t>12/2/2013</a:t>
+              <a:t>12/3/2013</a:t>
             </a:fld>
             <a:endParaRPr lang="en-US" dirty="0"/>
           </a:p>
@@ -7324,7 +7324,7 @@
           <a:p>
             <a:fld id="{48A87A34-81AB-432B-8DAE-1953F412C126}" type="datetimeFigureOut">
               <a:rPr lang="en-US" dirty="0"/>
-              <a:t>12/2/2013</a:t>
+              <a:t>12/3/2013</a:t>
             </a:fld>
             <a:endParaRPr lang="en-US" dirty="0"/>
           </a:p>
@@ -7569,7 +7569,7 @@
           <a:p>
             <a:fld id="{48A87A34-81AB-432B-8DAE-1953F412C126}" type="datetimeFigureOut">
               <a:rPr lang="en-US" dirty="0"/>
-              <a:t>12/2/2013</a:t>
+              <a:t>12/3/2013</a:t>
             </a:fld>
             <a:endParaRPr lang="en-US" dirty="0"/>
           </a:p>
@@ -7796,7 +7796,7 @@
           <a:p>
             <a:fld id="{48A87A34-81AB-432B-8DAE-1953F412C126}" type="datetimeFigureOut">
               <a:rPr lang="en-US" dirty="0"/>
-              <a:t>12/2/2013</a:t>
+              <a:t>12/3/2013</a:t>
             </a:fld>
             <a:endParaRPr lang="en-US" dirty="0"/>
           </a:p>
@@ -8172,7 +8172,7 @@
           <a:p>
             <a:fld id="{48A87A34-81AB-432B-8DAE-1953F412C126}" type="datetimeFigureOut">
               <a:rPr lang="en-US" dirty="0"/>
-              <a:t>12/2/2013</a:t>
+              <a:t>12/3/2013</a:t>
             </a:fld>
             <a:endParaRPr lang="en-US" dirty="0"/>
           </a:p>
@@ -8285,7 +8285,7 @@
           <a:p>
             <a:fld id="{48A87A34-81AB-432B-8DAE-1953F412C126}" type="datetimeFigureOut">
               <a:rPr lang="en-US" dirty="0"/>
-              <a:t>12/2/2013</a:t>
+              <a:t>12/3/2013</a:t>
             </a:fld>
             <a:endParaRPr lang="en-US" dirty="0"/>
           </a:p>
@@ -8375,7 +8375,7 @@
           <a:p>
             <a:fld id="{48A87A34-81AB-432B-8DAE-1953F412C126}" type="datetimeFigureOut">
               <a:rPr lang="en-US" dirty="0"/>
-              <a:t>12/2/2013</a:t>
+              <a:t>12/3/2013</a:t>
             </a:fld>
             <a:endParaRPr lang="en-US" dirty="0"/>
           </a:p>
@@ -8619,7 +8619,7 @@
           <a:p>
             <a:fld id="{48A87A34-81AB-432B-8DAE-1953F412C126}" type="datetimeFigureOut">
               <a:rPr lang="en-US" dirty="0"/>
-              <a:t>12/2/2013</a:t>
+              <a:t>12/3/2013</a:t>
             </a:fld>
             <a:endParaRPr lang="en-US" dirty="0"/>
           </a:p>
@@ -8894,7 +8894,7 @@
           <a:p>
             <a:fld id="{48A87A34-81AB-432B-8DAE-1953F412C126}" type="datetimeFigureOut">
               <a:rPr lang="en-US" dirty="0"/>
-              <a:t>12/2/2013</a:t>
+              <a:t>12/3/2013</a:t>
             </a:fld>
             <a:endParaRPr lang="en-US" dirty="0"/>
           </a:p>
@@ -11974,7 +11974,7 @@
             <a:fld id="{48A87A34-81AB-432B-8DAE-1953F412C126}" type="datetimeFigureOut">
               <a:rPr lang="en-US" dirty="0"/>
               <a:pPr/>
-              <a:t>12/2/2013</a:t>
+              <a:t>12/3/2013</a:t>
             </a:fld>
             <a:endParaRPr lang="en-US" dirty="0"/>
           </a:p>
@@ -12517,11 +12517,6 @@
               </a:rPr>
               <a:t> </a:t>
             </a:r>
-            <a:endParaRPr lang="en-US" sz="3900" dirty="0" smtClean="0">
-              <a:solidFill>
-                <a:schemeClr val="bg2"/>
-              </a:solidFill>
-            </a:endParaRPr>
           </a:p>
           <a:p>
             <a:r>
@@ -13325,7 +13320,7 @@
       </p:sp>
       <p:pic>
         <p:nvPicPr>
-          <p:cNvPr id="20483" name="Picture 3" descr="\\khensu\Home05\mcope\Desktop\Schem.png"/>
+          <p:cNvPr id="20484" name="Picture 4" descr="\\khensu\Home05\mcope\Desktop\Board.png"/>
           <p:cNvPicPr>
             <a:picLocks noChangeAspect="1" noChangeArrowheads="1"/>
           </p:cNvPicPr>
@@ -13333,64 +13328,6 @@
         </p:nvPicPr>
         <p:blipFill>
           <a:blip r:embed="rId2">
-            <a:extLst>
-              <a:ext uri="{28A0092B-C50C-407E-A947-70E740481C1C}">
-                <a14:useLocalDpi xmlns:a14="http://schemas.microsoft.com/office/drawing/2010/main" val="0"/>
-              </a:ext>
-            </a:extLst>
-          </a:blip>
-          <a:srcRect/>
-          <a:stretch>
-            <a:fillRect/>
-          </a:stretch>
-        </p:blipFill>
-        <p:spPr bwMode="auto">
-          <a:xfrm>
-            <a:off x="908008" y="1619579"/>
-            <a:ext cx="7359692" cy="4769264"/>
-          </a:xfrm>
-          <a:prstGeom prst="roundRect">
-            <a:avLst>
-              <a:gd name="adj" fmla="val 372"/>
-            </a:avLst>
-          </a:prstGeom>
-          <a:solidFill>
-            <a:srgbClr val="FFFFFF"/>
-          </a:solidFill>
-          <a:ln w="76200" cap="sq">
-            <a:solidFill>
-              <a:srgbClr val="292929"/>
-            </a:solidFill>
-            <a:miter lim="800000"/>
-          </a:ln>
-          <a:effectLst>
-            <a:reflection blurRad="12700" stA="28000" endPos="28000" dist="5000" dir="5400000" sy="-100000" algn="bl" rotWithShape="0"/>
-          </a:effectLst>
-          <a:scene3d>
-            <a:camera prst="orthographicFront"/>
-            <a:lightRig rig="threePt" dir="t">
-              <a:rot lat="0" lon="0" rev="2700000"/>
-            </a:lightRig>
-          </a:scene3d>
-          <a:sp3d>
-            <a:bevelT h="38100"/>
-            <a:contourClr>
-              <a:srgbClr val="C0C0C0"/>
-            </a:contourClr>
-          </a:sp3d>
-          <a:extLst/>
-        </p:spPr>
-      </p:pic>
-      <p:pic>
-        <p:nvPicPr>
-          <p:cNvPr id="20484" name="Picture 4" descr="\\khensu\Home05\mcope\Desktop\Board.png"/>
-          <p:cNvPicPr>
-            <a:picLocks noChangeAspect="1" noChangeArrowheads="1"/>
-          </p:cNvPicPr>
-          <p:nvPr/>
-        </p:nvPicPr>
-        <p:blipFill>
-          <a:blip r:embed="rId3">
             <a:extLst>
               <a:ext uri="{28A0092B-C50C-407E-A947-70E740481C1C}">
                 <a14:useLocalDpi xmlns:a14="http://schemas.microsoft.com/office/drawing/2010/main" val="0"/>
@@ -13439,6 +13376,114 @@
           <a:extLst/>
         </p:spPr>
       </p:pic>
+      <p:pic>
+        <p:nvPicPr>
+          <p:cNvPr id="15363" name="Picture 3"/>
+          <p:cNvPicPr>
+            <a:picLocks noChangeAspect="1" noChangeArrowheads="1"/>
+          </p:cNvPicPr>
+          <p:nvPr/>
+        </p:nvPicPr>
+        <p:blipFill>
+          <a:blip r:embed="rId3">
+            <a:extLst>
+              <a:ext uri="{28A0092B-C50C-407E-A947-70E740481C1C}">
+                <a14:useLocalDpi xmlns:a14="http://schemas.microsoft.com/office/drawing/2010/main" val="0"/>
+              </a:ext>
+            </a:extLst>
+          </a:blip>
+          <a:srcRect/>
+          <a:stretch>
+            <a:fillRect/>
+          </a:stretch>
+        </p:blipFill>
+        <p:spPr bwMode="auto">
+          <a:xfrm>
+            <a:off x="295216" y="1795762"/>
+            <a:ext cx="6158074" cy="4621970"/>
+          </a:xfrm>
+          <a:prstGeom prst="rect">
+            <a:avLst/>
+          </a:prstGeom>
+          <a:noFill/>
+          <a:ln>
+            <a:noFill/>
+          </a:ln>
+          <a:extLst>
+            <a:ext uri="{909E8E84-426E-40DD-AFC4-6F175D3DCCD1}">
+              <a14:hiddenFill xmlns:a14="http://schemas.microsoft.com/office/drawing/2010/main">
+                <a:solidFill>
+                  <a:schemeClr val="accent1"/>
+                </a:solidFill>
+              </a14:hiddenFill>
+            </a:ext>
+            <a:ext uri="{91240B29-F687-4F45-9708-019B960494DF}">
+              <a14:hiddenLine xmlns:a14="http://schemas.microsoft.com/office/drawing/2010/main" w="9525">
+                <a:solidFill>
+                  <a:schemeClr val="tx1"/>
+                </a:solidFill>
+                <a:miter lim="800000"/>
+                <a:headEnd/>
+                <a:tailEnd/>
+              </a14:hiddenLine>
+            </a:ext>
+          </a:extLst>
+        </p:spPr>
+      </p:pic>
+      <p:pic>
+        <p:nvPicPr>
+          <p:cNvPr id="15362" name="Picture 2"/>
+          <p:cNvPicPr>
+            <a:picLocks noChangeAspect="1" noChangeArrowheads="1"/>
+          </p:cNvPicPr>
+          <p:nvPr/>
+        </p:nvPicPr>
+        <p:blipFill>
+          <a:blip r:embed="rId4">
+            <a:extLst>
+              <a:ext uri="{28A0092B-C50C-407E-A947-70E740481C1C}">
+                <a14:useLocalDpi xmlns:a14="http://schemas.microsoft.com/office/drawing/2010/main" val="0"/>
+              </a:ext>
+            </a:extLst>
+          </a:blip>
+          <a:srcRect/>
+          <a:stretch>
+            <a:fillRect/>
+          </a:stretch>
+        </p:blipFill>
+        <p:spPr bwMode="auto">
+          <a:xfrm>
+            <a:off x="5464903" y="4906390"/>
+            <a:ext cx="6388729" cy="1755198"/>
+          </a:xfrm>
+          <a:prstGeom prst="rect">
+            <a:avLst/>
+          </a:prstGeom>
+          <a:noFill/>
+          <a:ln>
+            <a:noFill/>
+          </a:ln>
+          <a:extLst>
+            <a:ext uri="{909E8E84-426E-40DD-AFC4-6F175D3DCCD1}">
+              <a14:hiddenFill xmlns:a14="http://schemas.microsoft.com/office/drawing/2010/main">
+                <a:solidFill>
+                  <a:schemeClr val="accent1"/>
+                </a:solidFill>
+              </a14:hiddenFill>
+            </a:ext>
+            <a:ext uri="{91240B29-F687-4F45-9708-019B960494DF}">
+              <a14:hiddenLine xmlns:a14="http://schemas.microsoft.com/office/drawing/2010/main" w="9525">
+                <a:solidFill>
+                  <a:schemeClr val="tx1"/>
+                </a:solidFill>
+                <a:miter lim="800000"/>
+                <a:headEnd/>
+                <a:tailEnd/>
+              </a14:hiddenLine>
+            </a:ext>
+          </a:extLst>
+        </p:spPr>
+      </p:pic>
     </p:spTree>
     <p:extLst>
       <p:ext uri="{BB962C8B-B14F-4D97-AF65-F5344CB8AC3E}">
@@ -15124,43 +15169,7 @@
                   </a:outerShdw>
                 </a:effectLst>
               </a:rPr>
-              <a:t>Originally got idea from sprinklers </a:t>
-            </a:r>
-            <a:r>
-              <a:rPr lang="en-US" sz="2000" dirty="0" smtClean="0">
-                <a:solidFill>
-                  <a:schemeClr val="tx2">
-                    <a:lumMod val="40000"/>
-                    <a:lumOff val="60000"/>
-                  </a:schemeClr>
-                </a:solidFill>
-                <a:effectLst>
-                  <a:outerShdw blurRad="152400" dist="38100" dir="2700000" algn="tl">
-                    <a:srgbClr val="000000">
-                      <a:alpha val="36000"/>
-                    </a:srgbClr>
-                  </a:outerShdw>
-                </a:effectLst>
-              </a:rPr>
-              <a:t>designed </a:t>
-            </a:r>
-            <a:r>
-              <a:rPr lang="en-US" sz="2000" dirty="0" smtClean="0">
-                <a:solidFill>
-                  <a:schemeClr val="tx2">
-                    <a:lumMod val="40000"/>
-                    <a:lumOff val="60000"/>
-                  </a:schemeClr>
-                </a:solidFill>
-                <a:effectLst>
-                  <a:outerShdw blurRad="152400" dist="38100" dir="2700000" algn="tl">
-                    <a:srgbClr val="000000">
-                      <a:alpha val="36000"/>
-                    </a:srgbClr>
-                  </a:outerShdw>
-                </a:effectLst>
-              </a:rPr>
-              <a:t>to keep deer out of yards.</a:t>
+              <a:t>Originally got idea from sprinklers designed to keep deer out of yards.</a:t>
             </a:r>
           </a:p>
           <a:p>
@@ -16721,12 +16730,12 @@
           <a:graphicData uri="http://schemas.openxmlformats.org/presentationml/2006/ole">
             <mc:AlternateContent xmlns:mc="http://schemas.openxmlformats.org/markup-compatibility/2006">
               <mc:Choice xmlns:v="urn:schemas-microsoft-com:vml" Requires="v">
-                <p:oleObj spid="_x0000_s13340" r:id="rId3" imgW="5067465" imgH="5813949" progId="Visio.Drawing.15">
+                <p:oleObj spid="_x0000_s13342" r:id="rId4" imgW="5067465" imgH="5813949" progId="Visio.Drawing.15">
                   <p:embed/>
                 </p:oleObj>
               </mc:Choice>
               <mc:Fallback>
-                <p:oleObj r:id="rId3" imgW="5067465" imgH="5813949" progId="Visio.Drawing.15">
+                <p:oleObj r:id="rId4" imgW="5067465" imgH="5813949" progId="Visio.Drawing.15">
                   <p:embed/>
                   <p:pic>
                     <p:nvPicPr>
@@ -16737,7 +16746,7 @@
                       <p:nvPr/>
                     </p:nvPicPr>
                     <p:blipFill>
-                      <a:blip r:embed="rId4">
+                      <a:blip r:embed="rId5">
                         <a:extLst>
                           <a:ext uri="{28A0092B-C50C-407E-A947-70E740481C1C}">
                             <a14:useLocalDpi xmlns:a14="http://schemas.microsoft.com/office/drawing/2010/main" val="0"/>
@@ -16851,12 +16860,12 @@
           <a:graphicData uri="http://schemas.openxmlformats.org/presentationml/2006/ole">
             <mc:AlternateContent xmlns:mc="http://schemas.openxmlformats.org/markup-compatibility/2006">
               <mc:Choice xmlns:v="urn:schemas-microsoft-com:vml" Requires="v">
-                <p:oleObj spid="_x0000_s13341" r:id="rId5" imgW="6103656" imgH="4015614" progId="Visio.Drawing.15">
+                <p:oleObj spid="_x0000_s13343" r:id="rId7" imgW="6103656" imgH="4015614" progId="Visio.Drawing.15">
                   <p:embed/>
                 </p:oleObj>
               </mc:Choice>
               <mc:Fallback>
-                <p:oleObj r:id="rId5" imgW="6103656" imgH="4015614" progId="Visio.Drawing.15">
+                <p:oleObj r:id="rId7" imgW="6103656" imgH="4015614" progId="Visio.Drawing.15">
                   <p:embed/>
                   <p:pic>
                     <p:nvPicPr>
@@ -16867,7 +16876,7 @@
                       <p:nvPr/>
                     </p:nvPicPr>
                     <p:blipFill>
-                      <a:blip r:embed="rId6">
+                      <a:blip r:embed="rId8">
                         <a:extLst>
                           <a:ext uri="{28A0092B-C50C-407E-A947-70E740481C1C}">
                             <a14:useLocalDpi xmlns:a14="http://schemas.microsoft.com/office/drawing/2010/main" val="0"/>
@@ -16955,12 +16964,12 @@
           <a:graphicData uri="http://schemas.openxmlformats.org/presentationml/2006/ole">
             <mc:AlternateContent xmlns:mc="http://schemas.openxmlformats.org/markup-compatibility/2006">
               <mc:Choice xmlns:v="urn:schemas-microsoft-com:vml" Requires="v">
-                <p:oleObj spid="_x0000_s14354" name="Visio" r:id="rId3" imgW="7307545" imgH="6804557" progId="Visio.Drawing.15">
+                <p:oleObj spid="_x0000_s14355" name="Visio" r:id="rId4" imgW="7307545" imgH="6804557" progId="Visio.Drawing.15">
                   <p:embed/>
                 </p:oleObj>
               </mc:Choice>
               <mc:Fallback>
-                <p:oleObj name="Visio" r:id="rId3" imgW="7307545" imgH="6804557" progId="Visio.Drawing.15">
+                <p:oleObj name="Visio" r:id="rId4" imgW="7307545" imgH="6804557" progId="Visio.Drawing.15">
                   <p:embed/>
                   <p:pic>
                     <p:nvPicPr>
@@ -16971,7 +16980,7 @@
                       <p:nvPr/>
                     </p:nvPicPr>
                     <p:blipFill>
-                      <a:blip r:embed="rId4">
+                      <a:blip r:embed="rId5">
                         <a:extLst>
                           <a:ext uri="{28A0092B-C50C-407E-A947-70E740481C1C}">
                             <a14:useLocalDpi xmlns:a14="http://schemas.microsoft.com/office/drawing/2010/main" val="0"/>
@@ -17106,18 +17115,7 @@
                   </a:schemeClr>
                 </a:solidFill>
               </a:rPr>
-              <a:t>Selection </a:t>
-            </a:r>
-            <a:r>
-              <a:rPr lang="en-US" dirty="0" smtClean="0">
-                <a:solidFill>
-                  <a:schemeClr val="tx2">
-                    <a:lumMod val="40000"/>
-                    <a:lumOff val="60000"/>
-                  </a:schemeClr>
-                </a:solidFill>
-              </a:rPr>
-              <a:t>of Actuator</a:t>
+              <a:t>Selection of Actuator</a:t>
             </a:r>
           </a:p>
           <a:p>
@@ -18196,7 +18194,7 @@
   <a:extraClrSchemeLst/>
   <a:extLst>
     <a:ext uri="{05A4C25C-085E-4340-85A3-A5531E510DB2}">
-      <thm15:themeFamily xmlns:thm15="http://schemas.microsoft.com/office/thememl/2012/main" name="Circuit" id="{0AC2F7E7-15F5-431C-B2A2-456FE929F56C}" vid="{97ECCC31-8429-4523-BE8D-8F09B7A4D46D}"/>
+      <thm15:themeFamily xmlns:thm15="http://schemas.microsoft.com/office/thememl/2012/main" xmlns="" name="Circuit" id="{0AC2F7E7-15F5-431C-B2A2-456FE929F56C}" vid="{97ECCC31-8429-4523-BE8D-8F09B7A4D46D}"/>
     </a:ext>
   </a:extLst>
 </a:theme>

--- a/Project Details/IR Presentation 2.pptx
+++ b/Project Details/IR Presentation 2.pptx
@@ -13402,13 +13402,35 @@
             <a:off x="295216" y="1795762"/>
             <a:ext cx="6158074" cy="4621970"/>
           </a:xfrm>
-          <a:prstGeom prst="rect">
-            <a:avLst/>
+          <a:prstGeom prst="roundRect">
+            <a:avLst>
+              <a:gd name="adj" fmla="val 4167"/>
+            </a:avLst>
           </a:prstGeom>
-          <a:noFill/>
-          <a:ln>
-            <a:noFill/>
+          <a:solidFill>
+            <a:srgbClr val="FFFFFF"/>
+          </a:solidFill>
+          <a:ln w="76200" cap="sq">
+            <a:solidFill>
+              <a:srgbClr val="292929"/>
+            </a:solidFill>
+            <a:miter lim="800000"/>
           </a:ln>
+          <a:effectLst>
+            <a:reflection blurRad="12700" stA="28000" endPos="28000" dist="5000" dir="5400000" sy="-100000" algn="bl" rotWithShape="0"/>
+          </a:effectLst>
+          <a:scene3d>
+            <a:camera prst="orthographicFront"/>
+            <a:lightRig rig="threePt" dir="t">
+              <a:rot lat="0" lon="0" rev="2700000"/>
+            </a:lightRig>
+          </a:scene3d>
+          <a:sp3d>
+            <a:bevelT h="38100"/>
+            <a:contourClr>
+              <a:srgbClr val="C0C0C0"/>
+            </a:contourClr>
+          </a:sp3d>
           <a:extLst>
             <a:ext uri="{909E8E84-426E-40DD-AFC4-6F175D3DCCD1}">
               <a14:hiddenFill xmlns:a14="http://schemas.microsoft.com/office/drawing/2010/main">
@@ -13456,13 +13478,35 @@
             <a:off x="5464903" y="4906390"/>
             <a:ext cx="6388729" cy="1755198"/>
           </a:xfrm>
-          <a:prstGeom prst="rect">
-            <a:avLst/>
+          <a:prstGeom prst="roundRect">
+            <a:avLst>
+              <a:gd name="adj" fmla="val 4167"/>
+            </a:avLst>
           </a:prstGeom>
-          <a:noFill/>
-          <a:ln>
-            <a:noFill/>
+          <a:solidFill>
+            <a:srgbClr val="FFFFFF"/>
+          </a:solidFill>
+          <a:ln w="76200" cap="sq">
+            <a:solidFill>
+              <a:srgbClr val="292929"/>
+            </a:solidFill>
+            <a:miter lim="800000"/>
           </a:ln>
+          <a:effectLst>
+            <a:reflection blurRad="12700" stA="28000" endPos="28000" dist="5000" dir="5400000" sy="-100000" algn="bl" rotWithShape="0"/>
+          </a:effectLst>
+          <a:scene3d>
+            <a:camera prst="orthographicFront"/>
+            <a:lightRig rig="threePt" dir="t">
+              <a:rot lat="0" lon="0" rev="2700000"/>
+            </a:lightRig>
+          </a:scene3d>
+          <a:sp3d>
+            <a:bevelT h="38100"/>
+            <a:contourClr>
+              <a:srgbClr val="C0C0C0"/>
+            </a:contourClr>
+          </a:sp3d>
           <a:extLst>
             <a:ext uri="{909E8E84-426E-40DD-AFC4-6F175D3DCCD1}">
               <a14:hiddenFill xmlns:a14="http://schemas.microsoft.com/office/drawing/2010/main">
@@ -16730,12 +16774,12 @@
           <a:graphicData uri="http://schemas.openxmlformats.org/presentationml/2006/ole">
             <mc:AlternateContent xmlns:mc="http://schemas.openxmlformats.org/markup-compatibility/2006">
               <mc:Choice xmlns:v="urn:schemas-microsoft-com:vml" Requires="v">
-                <p:oleObj spid="_x0000_s13342" r:id="rId4" imgW="5067465" imgH="5813949" progId="Visio.Drawing.15">
+                <p:oleObj spid="_x0000_s13344" r:id="rId3" imgW="5067465" imgH="5813949" progId="Visio.Drawing.15">
                   <p:embed/>
                 </p:oleObj>
               </mc:Choice>
               <mc:Fallback>
-                <p:oleObj r:id="rId4" imgW="5067465" imgH="5813949" progId="Visio.Drawing.15">
+                <p:oleObj r:id="rId3" imgW="5067465" imgH="5813949" progId="Visio.Drawing.15">
                   <p:embed/>
                   <p:pic>
                     <p:nvPicPr>
@@ -16746,7 +16790,7 @@
                       <p:nvPr/>
                     </p:nvPicPr>
                     <p:blipFill>
-                      <a:blip r:embed="rId5">
+                      <a:blip r:embed="rId4">
                         <a:extLst>
                           <a:ext uri="{28A0092B-C50C-407E-A947-70E740481C1C}">
                             <a14:useLocalDpi xmlns:a14="http://schemas.microsoft.com/office/drawing/2010/main" val="0"/>
@@ -16860,12 +16904,12 @@
           <a:graphicData uri="http://schemas.openxmlformats.org/presentationml/2006/ole">
             <mc:AlternateContent xmlns:mc="http://schemas.openxmlformats.org/markup-compatibility/2006">
               <mc:Choice xmlns:v="urn:schemas-microsoft-com:vml" Requires="v">
-                <p:oleObj spid="_x0000_s13343" r:id="rId7" imgW="6103656" imgH="4015614" progId="Visio.Drawing.15">
+                <p:oleObj spid="_x0000_s13345" r:id="rId5" imgW="6103656" imgH="4015614" progId="Visio.Drawing.15">
                   <p:embed/>
                 </p:oleObj>
               </mc:Choice>
               <mc:Fallback>
-                <p:oleObj r:id="rId7" imgW="6103656" imgH="4015614" progId="Visio.Drawing.15">
+                <p:oleObj r:id="rId5" imgW="6103656" imgH="4015614" progId="Visio.Drawing.15">
                   <p:embed/>
                   <p:pic>
                     <p:nvPicPr>
@@ -16876,7 +16920,7 @@
                       <p:nvPr/>
                     </p:nvPicPr>
                     <p:blipFill>
-                      <a:blip r:embed="rId8">
+                      <a:blip r:embed="rId6">
                         <a:extLst>
                           <a:ext uri="{28A0092B-C50C-407E-A947-70E740481C1C}">
                             <a14:useLocalDpi xmlns:a14="http://schemas.microsoft.com/office/drawing/2010/main" val="0"/>
@@ -16964,12 +17008,12 @@
           <a:graphicData uri="http://schemas.openxmlformats.org/presentationml/2006/ole">
             <mc:AlternateContent xmlns:mc="http://schemas.openxmlformats.org/markup-compatibility/2006">
               <mc:Choice xmlns:v="urn:schemas-microsoft-com:vml" Requires="v">
-                <p:oleObj spid="_x0000_s14355" name="Visio" r:id="rId4" imgW="7307545" imgH="6804557" progId="Visio.Drawing.15">
+                <p:oleObj spid="_x0000_s14356" name="Visio" r:id="rId3" imgW="7307545" imgH="6804557" progId="Visio.Drawing.15">
                   <p:embed/>
                 </p:oleObj>
               </mc:Choice>
               <mc:Fallback>
-                <p:oleObj name="Visio" r:id="rId4" imgW="7307545" imgH="6804557" progId="Visio.Drawing.15">
+                <p:oleObj name="Visio" r:id="rId3" imgW="7307545" imgH="6804557" progId="Visio.Drawing.15">
                   <p:embed/>
                   <p:pic>
                     <p:nvPicPr>
@@ -16980,7 +17024,7 @@
                       <p:nvPr/>
                     </p:nvPicPr>
                     <p:blipFill>
-                      <a:blip r:embed="rId5">
+                      <a:blip r:embed="rId4">
                         <a:extLst>
                           <a:ext uri="{28A0092B-C50C-407E-A947-70E740481C1C}">
                             <a14:useLocalDpi xmlns:a14="http://schemas.microsoft.com/office/drawing/2010/main" val="0"/>

--- a/Project Details/IR Presentation 2.pptx
+++ b/Project Details/IR Presentation 2.pptx
@@ -13399,7 +13399,7 @@
         </p:blipFill>
         <p:spPr bwMode="auto">
           <a:xfrm>
-            <a:off x="295216" y="1795762"/>
+            <a:off x="295216" y="1804815"/>
             <a:ext cx="6158074" cy="4621970"/>
           </a:xfrm>
           <a:prstGeom prst="roundRect">
@@ -16774,7 +16774,7 @@
           <a:graphicData uri="http://schemas.openxmlformats.org/presentationml/2006/ole">
             <mc:AlternateContent xmlns:mc="http://schemas.openxmlformats.org/markup-compatibility/2006">
               <mc:Choice xmlns:v="urn:schemas-microsoft-com:vml" Requires="v">
-                <p:oleObj spid="_x0000_s13344" r:id="rId3" imgW="5067465" imgH="5813949" progId="Visio.Drawing.15">
+                <p:oleObj spid="_x0000_s13346" r:id="rId3" imgW="5067465" imgH="5813949" progId="Visio.Drawing.15">
                   <p:embed/>
                 </p:oleObj>
               </mc:Choice>
@@ -16904,7 +16904,7 @@
           <a:graphicData uri="http://schemas.openxmlformats.org/presentationml/2006/ole">
             <mc:AlternateContent xmlns:mc="http://schemas.openxmlformats.org/markup-compatibility/2006">
               <mc:Choice xmlns:v="urn:schemas-microsoft-com:vml" Requires="v">
-                <p:oleObj spid="_x0000_s13345" r:id="rId5" imgW="6103656" imgH="4015614" progId="Visio.Drawing.15">
+                <p:oleObj spid="_x0000_s13347" r:id="rId5" imgW="6103656" imgH="4015614" progId="Visio.Drawing.15">
                   <p:embed/>
                 </p:oleObj>
               </mc:Choice>
@@ -17008,7 +17008,7 @@
           <a:graphicData uri="http://schemas.openxmlformats.org/presentationml/2006/ole">
             <mc:AlternateContent xmlns:mc="http://schemas.openxmlformats.org/markup-compatibility/2006">
               <mc:Choice xmlns:v="urn:schemas-microsoft-com:vml" Requires="v">
-                <p:oleObj spid="_x0000_s14356" name="Visio" r:id="rId3" imgW="7307545" imgH="6804557" progId="Visio.Drawing.15">
+                <p:oleObj spid="_x0000_s14357" name="Visio" r:id="rId3" imgW="7307545" imgH="6804557" progId="Visio.Drawing.15">
                   <p:embed/>
                 </p:oleObj>
               </mc:Choice>

--- a/Project Details/IR Presentation 2.pptx
+++ b/Project Details/IR Presentation 2.pptx
@@ -123,7 +123,7 @@
   </p:defaultTextStyle>
   <p:extLst>
     <p:ext uri="{EFAFB233-063F-42B5-8137-9DF3F51BA10A}">
-      <p15:sldGuideLst xmlns:p15="http://schemas.microsoft.com/office/powerpoint/2012/main" xmlns="">
+      <p15:sldGuideLst xmlns:p15="http://schemas.microsoft.com/office/powerpoint/2012/main">
         <p15:guide id="1" orient="horz" pos="2160">
           <p15:clr>
             <a:srgbClr val="A4A3A4"/>
@@ -13431,25 +13431,7 @@
               <a:srgbClr val="C0C0C0"/>
             </a:contourClr>
           </a:sp3d>
-          <a:extLst>
-            <a:ext uri="{909E8E84-426E-40DD-AFC4-6F175D3DCCD1}">
-              <a14:hiddenFill xmlns:a14="http://schemas.microsoft.com/office/drawing/2010/main">
-                <a:solidFill>
-                  <a:schemeClr val="accent1"/>
-                </a:solidFill>
-              </a14:hiddenFill>
-            </a:ext>
-            <a:ext uri="{91240B29-F687-4F45-9708-019B960494DF}">
-              <a14:hiddenLine xmlns:a14="http://schemas.microsoft.com/office/drawing/2010/main" w="9525">
-                <a:solidFill>
-                  <a:schemeClr val="tx1"/>
-                </a:solidFill>
-                <a:miter lim="800000"/>
-                <a:headEnd/>
-                <a:tailEnd/>
-              </a14:hiddenLine>
-            </a:ext>
-          </a:extLst>
+          <a:extLst/>
         </p:spPr>
       </p:pic>
       <p:pic>
@@ -13507,25 +13489,7 @@
               <a:srgbClr val="C0C0C0"/>
             </a:contourClr>
           </a:sp3d>
-          <a:extLst>
-            <a:ext uri="{909E8E84-426E-40DD-AFC4-6F175D3DCCD1}">
-              <a14:hiddenFill xmlns:a14="http://schemas.microsoft.com/office/drawing/2010/main">
-                <a:solidFill>
-                  <a:schemeClr val="accent1"/>
-                </a:solidFill>
-              </a14:hiddenFill>
-            </a:ext>
-            <a:ext uri="{91240B29-F687-4F45-9708-019B960494DF}">
-              <a14:hiddenLine xmlns:a14="http://schemas.microsoft.com/office/drawing/2010/main" w="9525">
-                <a:solidFill>
-                  <a:schemeClr val="tx1"/>
-                </a:solidFill>
-                <a:miter lim="800000"/>
-                <a:headEnd/>
-                <a:tailEnd/>
-              </a14:hiddenLine>
-            </a:ext>
-          </a:extLst>
+          <a:extLst/>
         </p:spPr>
       </p:pic>
     </p:spTree>
@@ -16774,12 +16738,12 @@
           <a:graphicData uri="http://schemas.openxmlformats.org/presentationml/2006/ole">
             <mc:AlternateContent xmlns:mc="http://schemas.openxmlformats.org/markup-compatibility/2006">
               <mc:Choice xmlns:v="urn:schemas-microsoft-com:vml" Requires="v">
-                <p:oleObj spid="_x0000_s13346" r:id="rId3" imgW="5067465" imgH="5813949" progId="Visio.Drawing.15">
+                <p:oleObj spid="_x0000_s13348" r:id="rId4" imgW="5067465" imgH="5813949" progId="Visio.Drawing.15">
                   <p:embed/>
                 </p:oleObj>
               </mc:Choice>
               <mc:Fallback>
-                <p:oleObj r:id="rId3" imgW="5067465" imgH="5813949" progId="Visio.Drawing.15">
+                <p:oleObj r:id="rId4" imgW="5067465" imgH="5813949" progId="Visio.Drawing.15">
                   <p:embed/>
                   <p:pic>
                     <p:nvPicPr>
@@ -16790,7 +16754,7 @@
                       <p:nvPr/>
                     </p:nvPicPr>
                     <p:blipFill>
-                      <a:blip r:embed="rId4">
+                      <a:blip r:embed="rId5">
                         <a:extLst>
                           <a:ext uri="{28A0092B-C50C-407E-A947-70E740481C1C}">
                             <a14:useLocalDpi xmlns:a14="http://schemas.microsoft.com/office/drawing/2010/main" val="0"/>
@@ -16904,12 +16868,12 @@
           <a:graphicData uri="http://schemas.openxmlformats.org/presentationml/2006/ole">
             <mc:AlternateContent xmlns:mc="http://schemas.openxmlformats.org/markup-compatibility/2006">
               <mc:Choice xmlns:v="urn:schemas-microsoft-com:vml" Requires="v">
-                <p:oleObj spid="_x0000_s13347" r:id="rId5" imgW="6103656" imgH="4015614" progId="Visio.Drawing.15">
+                <p:oleObj spid="_x0000_s13349" r:id="rId7" imgW="6103656" imgH="4015614" progId="Visio.Drawing.15">
                   <p:embed/>
                 </p:oleObj>
               </mc:Choice>
               <mc:Fallback>
-                <p:oleObj r:id="rId5" imgW="6103656" imgH="4015614" progId="Visio.Drawing.15">
+                <p:oleObj r:id="rId7" imgW="6103656" imgH="4015614" progId="Visio.Drawing.15">
                   <p:embed/>
                   <p:pic>
                     <p:nvPicPr>
@@ -16920,7 +16884,7 @@
                       <p:nvPr/>
                     </p:nvPicPr>
                     <p:blipFill>
-                      <a:blip r:embed="rId6">
+                      <a:blip r:embed="rId8">
                         <a:extLst>
                           <a:ext uri="{28A0092B-C50C-407E-A947-70E740481C1C}">
                             <a14:useLocalDpi xmlns:a14="http://schemas.microsoft.com/office/drawing/2010/main" val="0"/>
@@ -17008,12 +16972,12 @@
           <a:graphicData uri="http://schemas.openxmlformats.org/presentationml/2006/ole">
             <mc:AlternateContent xmlns:mc="http://schemas.openxmlformats.org/markup-compatibility/2006">
               <mc:Choice xmlns:v="urn:schemas-microsoft-com:vml" Requires="v">
-                <p:oleObj spid="_x0000_s14357" name="Visio" r:id="rId3" imgW="7307545" imgH="6804557" progId="Visio.Drawing.15">
+                <p:oleObj spid="_x0000_s14358" name="Visio" r:id="rId4" imgW="7307545" imgH="6804557" progId="Visio.Drawing.15">
                   <p:embed/>
                 </p:oleObj>
               </mc:Choice>
               <mc:Fallback>
-                <p:oleObj name="Visio" r:id="rId3" imgW="7307545" imgH="6804557" progId="Visio.Drawing.15">
+                <p:oleObj name="Visio" r:id="rId4" imgW="7307545" imgH="6804557" progId="Visio.Drawing.15">
                   <p:embed/>
                   <p:pic>
                     <p:nvPicPr>
@@ -17024,7 +16988,7 @@
                       <p:nvPr/>
                     </p:nvPicPr>
                     <p:blipFill>
-                      <a:blip r:embed="rId4">
+                      <a:blip r:embed="rId5">
                         <a:extLst>
                           <a:ext uri="{28A0092B-C50C-407E-A947-70E740481C1C}">
                             <a14:useLocalDpi xmlns:a14="http://schemas.microsoft.com/office/drawing/2010/main" val="0"/>
@@ -18238,7 +18202,7 @@
   <a:extraClrSchemeLst/>
   <a:extLst>
     <a:ext uri="{05A4C25C-085E-4340-85A3-A5531E510DB2}">
-      <thm15:themeFamily xmlns:thm15="http://schemas.microsoft.com/office/thememl/2012/main" xmlns="" name="Circuit" id="{0AC2F7E7-15F5-431C-B2A2-456FE929F56C}" vid="{97ECCC31-8429-4523-BE8D-8F09B7A4D46D}"/>
+      <thm15:themeFamily xmlns:thm15="http://schemas.microsoft.com/office/thememl/2012/main" name="Circuit" id="{0AC2F7E7-15F5-431C-B2A2-456FE929F56C}" vid="{97ECCC31-8429-4523-BE8D-8F09B7A4D46D}"/>
     </a:ext>
   </a:extLst>
 </a:theme>
